--- a/PresentaciónFinal.pptx
+++ b/PresentaciónFinal.pptx
@@ -5,21 +5,22 @@
     <p:sldMasterId id="2147483660" r:id="rId1"/>
   </p:sldMasterIdLst>
   <p:notesMasterIdLst>
-    <p:notesMasterId r:id="rId14"/>
+    <p:notesMasterId r:id="rId15"/>
   </p:notesMasterIdLst>
   <p:sldIdLst>
     <p:sldId id="256" r:id="rId2"/>
     <p:sldId id="272" r:id="rId3"/>
-    <p:sldId id="264" r:id="rId4"/>
-    <p:sldId id="266" r:id="rId5"/>
-    <p:sldId id="265" r:id="rId6"/>
-    <p:sldId id="267" r:id="rId7"/>
-    <p:sldId id="275" r:id="rId8"/>
-    <p:sldId id="268" r:id="rId9"/>
-    <p:sldId id="269" r:id="rId10"/>
-    <p:sldId id="270" r:id="rId11"/>
-    <p:sldId id="271" r:id="rId12"/>
-    <p:sldId id="273" r:id="rId13"/>
+    <p:sldId id="276" r:id="rId4"/>
+    <p:sldId id="264" r:id="rId5"/>
+    <p:sldId id="266" r:id="rId6"/>
+    <p:sldId id="265" r:id="rId7"/>
+    <p:sldId id="267" r:id="rId8"/>
+    <p:sldId id="275" r:id="rId9"/>
+    <p:sldId id="268" r:id="rId10"/>
+    <p:sldId id="269" r:id="rId11"/>
+    <p:sldId id="270" r:id="rId12"/>
+    <p:sldId id="271" r:id="rId13"/>
+    <p:sldId id="273" r:id="rId14"/>
   </p:sldIdLst>
   <p:sldSz cx="12192000" cy="6858000"/>
   <p:notesSz cx="6858000" cy="9144000"/>
@@ -118,6 +119,11 @@
       </a:defRPr>
     </a:lvl9pPr>
   </p:defaultTextStyle>
+  <p:extLst>
+    <p:ext uri="{EFAFB233-063F-42B5-8137-9DF3F51BA10A}">
+      <p15:sldGuideLst xmlns:p15="http://schemas.microsoft.com/office/powerpoint/2012/main"/>
+    </p:ext>
+  </p:extLst>
 </p:presentation>
 </file>
 
@@ -646,7 +652,7 @@
           <a:p>
             <a:fld id="{8672EDA1-D7B6-4D64-8CE2-52B4AED25E66}" type="slidenum">
               <a:rPr lang="es-ES" smtClean="0"/>
-              <a:t>10</a:t>
+              <a:t>11</a:t>
             </a:fld>
             <a:endParaRPr lang="es-ES"/>
           </a:p>
@@ -771,7 +777,7 @@
           <a:p>
             <a:fld id="{8672EDA1-D7B6-4D64-8CE2-52B4AED25E66}" type="slidenum">
               <a:rPr lang="es-ES" smtClean="0"/>
-              <a:t>11</a:t>
+              <a:t>12</a:t>
             </a:fld>
             <a:endParaRPr lang="es-ES"/>
           </a:p>
@@ -858,7 +864,7 @@
           <a:p>
             <a:fld id="{8672EDA1-D7B6-4D64-8CE2-52B4AED25E66}" type="slidenum">
               <a:rPr lang="es-ES" smtClean="0"/>
-              <a:t>12</a:t>
+              <a:t>13</a:t>
             </a:fld>
             <a:endParaRPr lang="es-ES"/>
           </a:p>
@@ -1075,7 +1081,7 @@
           <a:p>
             <a:fld id="{8672EDA1-D7B6-4D64-8CE2-52B4AED25E66}" type="slidenum">
               <a:rPr lang="es-ES" smtClean="0"/>
-              <a:t>3</a:t>
+              <a:t>4</a:t>
             </a:fld>
             <a:endParaRPr lang="es-ES"/>
           </a:p>
@@ -1205,7 +1211,7 @@
           <a:p>
             <a:fld id="{8672EDA1-D7B6-4D64-8CE2-52B4AED25E66}" type="slidenum">
               <a:rPr lang="es-ES" smtClean="0"/>
-              <a:t>4</a:t>
+              <a:t>5</a:t>
             </a:fld>
             <a:endParaRPr lang="es-ES"/>
           </a:p>
@@ -1335,7 +1341,7 @@
           <a:p>
             <a:fld id="{8672EDA1-D7B6-4D64-8CE2-52B4AED25E66}" type="slidenum">
               <a:rPr lang="es-ES" smtClean="0"/>
-              <a:t>5</a:t>
+              <a:t>6</a:t>
             </a:fld>
             <a:endParaRPr lang="es-ES"/>
           </a:p>
@@ -1465,7 +1471,7 @@
           <a:p>
             <a:fld id="{8672EDA1-D7B6-4D64-8CE2-52B4AED25E66}" type="slidenum">
               <a:rPr lang="es-ES" smtClean="0"/>
-              <a:t>6</a:t>
+              <a:t>7</a:t>
             </a:fld>
             <a:endParaRPr lang="es-ES"/>
           </a:p>
@@ -1595,7 +1601,7 @@
           <a:p>
             <a:fld id="{8672EDA1-D7B6-4D64-8CE2-52B4AED25E66}" type="slidenum">
               <a:rPr lang="es-ES" smtClean="0"/>
-              <a:t>7</a:t>
+              <a:t>8</a:t>
             </a:fld>
             <a:endParaRPr lang="es-ES"/>
           </a:p>
@@ -1738,7 +1744,7 @@
           <a:p>
             <a:fld id="{8672EDA1-D7B6-4D64-8CE2-52B4AED25E66}" type="slidenum">
               <a:rPr lang="es-ES" smtClean="0"/>
-              <a:t>8</a:t>
+              <a:t>9</a:t>
             </a:fld>
             <a:endParaRPr lang="es-ES"/>
           </a:p>
@@ -1868,7 +1874,7 @@
           <a:p>
             <a:fld id="{8672EDA1-D7B6-4D64-8CE2-52B4AED25E66}" type="slidenum">
               <a:rPr lang="es-ES" smtClean="0"/>
-              <a:t>9</a:t>
+              <a:t>10</a:t>
             </a:fld>
             <a:endParaRPr lang="es-ES"/>
           </a:p>
@@ -2057,7 +2063,7 @@
           <a:p>
             <a:fld id="{B9C2DEA6-FD1D-4DDC-962B-B1EDB7C5EF38}" type="datetimeFigureOut">
               <a:rPr lang="es-ES" smtClean="0"/>
-              <a:t>30/11/2018</a:t>
+              <a:t>01/12/2018</a:t>
             </a:fld>
             <a:endParaRPr lang="es-ES"/>
           </a:p>
@@ -2324,7 +2330,7 @@
           <a:p>
             <a:fld id="{B9C2DEA6-FD1D-4DDC-962B-B1EDB7C5EF38}" type="datetimeFigureOut">
               <a:rPr lang="es-ES" smtClean="0"/>
-              <a:t>30/11/2018</a:t>
+              <a:t>01/12/2018</a:t>
             </a:fld>
             <a:endParaRPr lang="es-ES"/>
           </a:p>
@@ -2555,7 +2561,7 @@
           <a:p>
             <a:fld id="{B9C2DEA6-FD1D-4DDC-962B-B1EDB7C5EF38}" type="datetimeFigureOut">
               <a:rPr lang="es-ES" smtClean="0"/>
-              <a:t>30/11/2018</a:t>
+              <a:t>01/12/2018</a:t>
             </a:fld>
             <a:endParaRPr lang="es-ES"/>
           </a:p>
@@ -2865,7 +2871,7 @@
           <a:p>
             <a:fld id="{B9C2DEA6-FD1D-4DDC-962B-B1EDB7C5EF38}" type="datetimeFigureOut">
               <a:rPr lang="es-ES" smtClean="0"/>
-              <a:t>30/11/2018</a:t>
+              <a:t>01/12/2018</a:t>
             </a:fld>
             <a:endParaRPr lang="es-ES"/>
           </a:p>
@@ -3338,7 +3344,7 @@
           <a:p>
             <a:fld id="{B9C2DEA6-FD1D-4DDC-962B-B1EDB7C5EF38}" type="datetimeFigureOut">
               <a:rPr lang="es-ES" smtClean="0"/>
-              <a:t>30/11/2018</a:t>
+              <a:t>01/12/2018</a:t>
             </a:fld>
             <a:endParaRPr lang="es-ES"/>
           </a:p>
@@ -3885,7 +3891,7 @@
           <a:p>
             <a:fld id="{B9C2DEA6-FD1D-4DDC-962B-B1EDB7C5EF38}" type="datetimeFigureOut">
               <a:rPr lang="es-ES" smtClean="0"/>
-              <a:t>30/11/2018</a:t>
+              <a:t>01/12/2018</a:t>
             </a:fld>
             <a:endParaRPr lang="es-ES"/>
           </a:p>
@@ -4659,7 +4665,7 @@
           <a:p>
             <a:fld id="{B9C2DEA6-FD1D-4DDC-962B-B1EDB7C5EF38}" type="datetimeFigureOut">
               <a:rPr lang="es-ES" smtClean="0"/>
-              <a:t>30/11/2018</a:t>
+              <a:t>01/12/2018</a:t>
             </a:fld>
             <a:endParaRPr lang="es-ES"/>
           </a:p>
@@ -4834,7 +4840,7 @@
           <a:p>
             <a:fld id="{B9C2DEA6-FD1D-4DDC-962B-B1EDB7C5EF38}" type="datetimeFigureOut">
               <a:rPr lang="es-ES" smtClean="0"/>
-              <a:t>30/11/2018</a:t>
+              <a:t>01/12/2018</a:t>
             </a:fld>
             <a:endParaRPr lang="es-ES"/>
           </a:p>
@@ -5057,7 +5063,7 @@
           <a:p>
             <a:fld id="{B9C2DEA6-FD1D-4DDC-962B-B1EDB7C5EF38}" type="datetimeFigureOut">
               <a:rPr lang="es-ES" smtClean="0"/>
-              <a:t>30/11/2018</a:t>
+              <a:t>01/12/2018</a:t>
             </a:fld>
             <a:endParaRPr lang="es-ES"/>
           </a:p>
@@ -5237,7 +5243,7 @@
           <a:p>
             <a:fld id="{B9C2DEA6-FD1D-4DDC-962B-B1EDB7C5EF38}" type="datetimeFigureOut">
               <a:rPr lang="es-ES" smtClean="0"/>
-              <a:t>30/11/2018</a:t>
+              <a:t>01/12/2018</a:t>
             </a:fld>
             <a:endParaRPr lang="es-ES"/>
           </a:p>
@@ -5526,7 +5532,7 @@
           <a:p>
             <a:fld id="{B9C2DEA6-FD1D-4DDC-962B-B1EDB7C5EF38}" type="datetimeFigureOut">
               <a:rPr lang="es-ES" smtClean="0"/>
-              <a:t>30/11/2018</a:t>
+              <a:t>01/12/2018</a:t>
             </a:fld>
             <a:endParaRPr lang="es-ES"/>
           </a:p>
@@ -5768,7 +5774,7 @@
           <a:p>
             <a:fld id="{B9C2DEA6-FD1D-4DDC-962B-B1EDB7C5EF38}" type="datetimeFigureOut">
               <a:rPr lang="es-ES" smtClean="0"/>
-              <a:t>30/11/2018</a:t>
+              <a:t>01/12/2018</a:t>
             </a:fld>
             <a:endParaRPr lang="es-ES"/>
           </a:p>
@@ -6147,7 +6153,7 @@
           <a:p>
             <a:fld id="{B9C2DEA6-FD1D-4DDC-962B-B1EDB7C5EF38}" type="datetimeFigureOut">
               <a:rPr lang="es-ES" smtClean="0"/>
-              <a:t>30/11/2018</a:t>
+              <a:t>01/12/2018</a:t>
             </a:fld>
             <a:endParaRPr lang="es-ES"/>
           </a:p>
@@ -6265,7 +6271,7 @@
           <a:p>
             <a:fld id="{B9C2DEA6-FD1D-4DDC-962B-B1EDB7C5EF38}" type="datetimeFigureOut">
               <a:rPr lang="es-ES" smtClean="0"/>
-              <a:t>30/11/2018</a:t>
+              <a:t>01/12/2018</a:t>
             </a:fld>
             <a:endParaRPr lang="es-ES"/>
           </a:p>
@@ -6360,7 +6366,7 @@
           <a:p>
             <a:fld id="{B9C2DEA6-FD1D-4DDC-962B-B1EDB7C5EF38}" type="datetimeFigureOut">
               <a:rPr lang="es-ES" smtClean="0"/>
-              <a:t>30/11/2018</a:t>
+              <a:t>01/12/2018</a:t>
             </a:fld>
             <a:endParaRPr lang="es-ES"/>
           </a:p>
@@ -6609,7 +6615,7 @@
           <a:p>
             <a:fld id="{B9C2DEA6-FD1D-4DDC-962B-B1EDB7C5EF38}" type="datetimeFigureOut">
               <a:rPr lang="es-ES" smtClean="0"/>
-              <a:t>30/11/2018</a:t>
+              <a:t>01/12/2018</a:t>
             </a:fld>
             <a:endParaRPr lang="es-ES"/>
           </a:p>
@@ -6866,7 +6872,7 @@
           <a:p>
             <a:fld id="{B9C2DEA6-FD1D-4DDC-962B-B1EDB7C5EF38}" type="datetimeFigureOut">
               <a:rPr lang="es-ES" smtClean="0"/>
-              <a:t>30/11/2018</a:t>
+              <a:t>01/12/2018</a:t>
             </a:fld>
             <a:endParaRPr lang="es-ES"/>
           </a:p>
@@ -7109,7 +7115,7 @@
           <a:p>
             <a:fld id="{B9C2DEA6-FD1D-4DDC-962B-B1EDB7C5EF38}" type="datetimeFigureOut">
               <a:rPr lang="es-ES" smtClean="0"/>
-              <a:t>30/11/2018</a:t>
+              <a:t>01/12/2018</a:t>
             </a:fld>
             <a:endParaRPr lang="es-ES"/>
           </a:p>
@@ -7609,7 +7615,7 @@
         <p:spPr>
           <a:xfrm>
             <a:off x="2025747" y="1841920"/>
-            <a:ext cx="8314007" cy="1200329"/>
+            <a:ext cx="8553158" cy="1200329"/>
           </a:xfrm>
           <a:prstGeom prst="rect">
             <a:avLst/>
@@ -7840,6 +7846,942 @@
 </file>
 
 <file path=ppt/slides/slide10.xml><?xml version="1.0" encoding="utf-8"?>
+<p:sld xmlns:a="http://schemas.openxmlformats.org/drawingml/2006/main" xmlns:r="http://schemas.openxmlformats.org/officeDocument/2006/relationships" xmlns:p="http://schemas.openxmlformats.org/presentationml/2006/main">
+  <p:cSld>
+    <p:spTree>
+      <p:nvGrpSpPr>
+        <p:cNvPr id="1" name=""/>
+        <p:cNvGrpSpPr/>
+        <p:nvPr/>
+      </p:nvGrpSpPr>
+      <p:grpSpPr>
+        <a:xfrm>
+          <a:off x="0" y="0"/>
+          <a:ext cx="0" cy="0"/>
+          <a:chOff x="0" y="0"/>
+          <a:chExt cx="0" cy="0"/>
+        </a:xfrm>
+      </p:grpSpPr>
+      <p:pic>
+        <p:nvPicPr>
+          <p:cNvPr id="3" name="Imagen 2">
+            <a:extLst>
+              <a:ext uri="{FF2B5EF4-FFF2-40B4-BE49-F238E27FC236}">
+                <a16:creationId xmlns:a16="http://schemas.microsoft.com/office/drawing/2014/main" id="{EEA7E6E5-8604-4E35-9186-61E26F5EA23B}"/>
+              </a:ext>
+            </a:extLst>
+          </p:cNvPr>
+          <p:cNvPicPr>
+            <a:picLocks noChangeAspect="1"/>
+          </p:cNvPicPr>
+          <p:nvPr/>
+        </p:nvPicPr>
+        <p:blipFill>
+          <a:blip r:embed="rId3">
+            <a:extLst>
+              <a:ext uri="{28A0092B-C50C-407E-A947-70E740481C1C}">
+                <a14:useLocalDpi xmlns:a14="http://schemas.microsoft.com/office/drawing/2010/main" val="0"/>
+              </a:ext>
+            </a:extLst>
+          </a:blip>
+          <a:stretch>
+            <a:fillRect/>
+          </a:stretch>
+        </p:blipFill>
+        <p:spPr>
+          <a:xfrm>
+            <a:off x="7616344" y="3179114"/>
+            <a:ext cx="3353627" cy="2389789"/>
+          </a:xfrm>
+          <a:prstGeom prst="rect">
+            <a:avLst/>
+          </a:prstGeom>
+        </p:spPr>
+      </p:pic>
+      <p:pic>
+        <p:nvPicPr>
+          <p:cNvPr id="5" name="Imagen 4">
+            <a:extLst>
+              <a:ext uri="{FF2B5EF4-FFF2-40B4-BE49-F238E27FC236}">
+                <a16:creationId xmlns:a16="http://schemas.microsoft.com/office/drawing/2014/main" id="{E771B778-E301-4E02-8202-114D9E17E0C1}"/>
+              </a:ext>
+            </a:extLst>
+          </p:cNvPr>
+          <p:cNvPicPr>
+            <a:picLocks noChangeAspect="1"/>
+          </p:cNvPicPr>
+          <p:nvPr/>
+        </p:nvPicPr>
+        <p:blipFill rotWithShape="1">
+          <a:blip r:embed="rId4">
+            <a:extLst>
+              <a:ext uri="{28A0092B-C50C-407E-A947-70E740481C1C}">
+                <a14:useLocalDpi xmlns:a14="http://schemas.microsoft.com/office/drawing/2010/main" val="0"/>
+              </a:ext>
+            </a:extLst>
+          </a:blip>
+          <a:srcRect l="25494" t="3828" r="23962" b="4932"/>
+          <a:stretch/>
+        </p:blipFill>
+        <p:spPr>
+          <a:xfrm>
+            <a:off x="2278067" y="3179115"/>
+            <a:ext cx="1428226" cy="2578228"/>
+          </a:xfrm>
+          <a:prstGeom prst="rect">
+            <a:avLst/>
+          </a:prstGeom>
+        </p:spPr>
+      </p:pic>
+      <p:sp>
+        <p:nvSpPr>
+          <p:cNvPr id="2" name="Flecha: a la derecha 1">
+            <a:extLst>
+              <a:ext uri="{FF2B5EF4-FFF2-40B4-BE49-F238E27FC236}">
+                <a16:creationId xmlns:a16="http://schemas.microsoft.com/office/drawing/2014/main" id="{C876DC40-8AAB-49D9-9819-036DCEB9BE4B}"/>
+              </a:ext>
+            </a:extLst>
+          </p:cNvPr>
+          <p:cNvSpPr/>
+          <p:nvPr/>
+        </p:nvSpPr>
+        <p:spPr>
+          <a:xfrm>
+            <a:off x="4038918" y="4439355"/>
+            <a:ext cx="3376246" cy="365760"/>
+          </a:xfrm>
+          <a:prstGeom prst="rightArrow">
+            <a:avLst/>
+          </a:prstGeom>
+          <a:solidFill>
+            <a:schemeClr val="accent2"/>
+          </a:solidFill>
+          <a:ln>
+            <a:solidFill>
+              <a:schemeClr val="bg1"/>
+            </a:solidFill>
+          </a:ln>
+        </p:spPr>
+        <p:style>
+          <a:lnRef idx="2">
+            <a:schemeClr val="accent1">
+              <a:shade val="50000"/>
+            </a:schemeClr>
+          </a:lnRef>
+          <a:fillRef idx="1">
+            <a:schemeClr val="accent1"/>
+          </a:fillRef>
+          <a:effectRef idx="0">
+            <a:schemeClr val="accent1"/>
+          </a:effectRef>
+          <a:fontRef idx="minor">
+            <a:schemeClr val="lt1"/>
+          </a:fontRef>
+        </p:style>
+        <p:txBody>
+          <a:bodyPr rtlCol="0" anchor="ctr"/>
+          <a:lstStyle/>
+          <a:p>
+            <a:pPr algn="ctr"/>
+            <a:endParaRPr lang="es-ES"/>
+          </a:p>
+        </p:txBody>
+      </p:sp>
+      <p:pic>
+        <p:nvPicPr>
+          <p:cNvPr id="7" name="Gráfico 6" descr="Sobre">
+            <a:extLst>
+              <a:ext uri="{FF2B5EF4-FFF2-40B4-BE49-F238E27FC236}">
+                <a16:creationId xmlns:a16="http://schemas.microsoft.com/office/drawing/2014/main" id="{6CC8807E-4160-44CE-97C7-341CAB213E3A}"/>
+              </a:ext>
+            </a:extLst>
+          </p:cNvPr>
+          <p:cNvPicPr>
+            <a:picLocks noChangeAspect="1"/>
+          </p:cNvPicPr>
+          <p:nvPr/>
+        </p:nvPicPr>
+        <p:blipFill>
+          <a:blip r:embed="rId5">
+            <a:extLst>
+              <a:ext uri="{28A0092B-C50C-407E-A947-70E740481C1C}">
+                <a14:useLocalDpi xmlns:a14="http://schemas.microsoft.com/office/drawing/2010/main" val="0"/>
+              </a:ext>
+              <a:ext uri="{96DAC541-7B7A-43D3-8B79-37D633B846F1}">
+                <asvg:svgBlip xmlns:asvg="http://schemas.microsoft.com/office/drawing/2016/SVG/main" r:embed="rId6"/>
+              </a:ext>
+            </a:extLst>
+          </a:blip>
+          <a:stretch>
+            <a:fillRect/>
+          </a:stretch>
+        </p:blipFill>
+        <p:spPr>
+          <a:xfrm>
+            <a:off x="4934554" y="2786328"/>
+            <a:ext cx="1315329" cy="785571"/>
+          </a:xfrm>
+          <a:prstGeom prst="rect">
+            <a:avLst/>
+          </a:prstGeom>
+        </p:spPr>
+      </p:pic>
+      <p:pic>
+        <p:nvPicPr>
+          <p:cNvPr id="8" name="Gráfico 7" descr="Sobre">
+            <a:extLst>
+              <a:ext uri="{FF2B5EF4-FFF2-40B4-BE49-F238E27FC236}">
+                <a16:creationId xmlns:a16="http://schemas.microsoft.com/office/drawing/2014/main" id="{29EC5C15-C56C-4FD3-9253-1D4D0D58F91E}"/>
+              </a:ext>
+            </a:extLst>
+          </p:cNvPr>
+          <p:cNvPicPr>
+            <a:picLocks noChangeAspect="1"/>
+          </p:cNvPicPr>
+          <p:nvPr/>
+        </p:nvPicPr>
+        <p:blipFill>
+          <a:blip r:embed="rId5">
+            <a:extLst>
+              <a:ext uri="{28A0092B-C50C-407E-A947-70E740481C1C}">
+                <a14:useLocalDpi xmlns:a14="http://schemas.microsoft.com/office/drawing/2010/main" val="0"/>
+              </a:ext>
+              <a:ext uri="{96DAC541-7B7A-43D3-8B79-37D633B846F1}">
+                <asvg:svgBlip xmlns:asvg="http://schemas.microsoft.com/office/drawing/2016/SVG/main" r:embed="rId6"/>
+              </a:ext>
+            </a:extLst>
+          </a:blip>
+          <a:stretch>
+            <a:fillRect/>
+          </a:stretch>
+        </p:blipFill>
+        <p:spPr>
+          <a:xfrm>
+            <a:off x="4883422" y="4752922"/>
+            <a:ext cx="1315329" cy="785571"/>
+          </a:xfrm>
+          <a:prstGeom prst="rect">
+            <a:avLst/>
+          </a:prstGeom>
+        </p:spPr>
+      </p:pic>
+      <p:sp>
+        <p:nvSpPr>
+          <p:cNvPr id="6" name="Rectángulo 5">
+            <a:extLst>
+              <a:ext uri="{FF2B5EF4-FFF2-40B4-BE49-F238E27FC236}">
+                <a16:creationId xmlns:a16="http://schemas.microsoft.com/office/drawing/2014/main" id="{46C9687F-4753-41DC-AA83-E2FAF2E4A2FF}"/>
+              </a:ext>
+            </a:extLst>
+          </p:cNvPr>
+          <p:cNvSpPr/>
+          <p:nvPr/>
+        </p:nvSpPr>
+        <p:spPr>
+          <a:xfrm>
+            <a:off x="3046660" y="188632"/>
+            <a:ext cx="5360763" cy="923330"/>
+          </a:xfrm>
+          <a:prstGeom prst="rect">
+            <a:avLst/>
+          </a:prstGeom>
+        </p:spPr>
+        <p:txBody>
+          <a:bodyPr wrap="none">
+            <a:spAutoFit/>
+            <a:scene3d>
+              <a:camera prst="orthographicFront"/>
+              <a:lightRig rig="threePt" dir="t"/>
+            </a:scene3d>
+            <a:sp3d extrusionH="57150">
+              <a:bevelT w="38100" h="38100" prst="angle"/>
+            </a:sp3d>
+          </a:bodyPr>
+          <a:lstStyle/>
+          <a:p>
+            <a:r>
+              <a:rPr lang="es-ES" sz="5400" b="1" dirty="0"/>
+              <a:t>FASE 3 (Caso 3)</a:t>
+            </a:r>
+          </a:p>
+        </p:txBody>
+      </p:sp>
+      <p:sp>
+        <p:nvSpPr>
+          <p:cNvPr id="9" name="CuadroTexto 8">
+            <a:extLst>
+              <a:ext uri="{FF2B5EF4-FFF2-40B4-BE49-F238E27FC236}">
+                <a16:creationId xmlns:a16="http://schemas.microsoft.com/office/drawing/2014/main" id="{DD017762-05EB-4992-AEC0-E590D8C39633}"/>
+              </a:ext>
+            </a:extLst>
+          </p:cNvPr>
+          <p:cNvSpPr txBox="1"/>
+          <p:nvPr/>
+        </p:nvSpPr>
+        <p:spPr>
+          <a:xfrm>
+            <a:off x="4235865" y="5482728"/>
+            <a:ext cx="3179299" cy="369332"/>
+          </a:xfrm>
+          <a:prstGeom prst="rect">
+            <a:avLst/>
+          </a:prstGeom>
+          <a:noFill/>
+        </p:spPr>
+        <p:txBody>
+          <a:bodyPr wrap="square" rtlCol="0">
+            <a:spAutoFit/>
+          </a:bodyPr>
+          <a:lstStyle/>
+          <a:p>
+            <a:r>
+              <a:rPr lang="es-ES" b="1" dirty="0"/>
+              <a:t>Pulsar botón ‘DELETE-</a:t>
+            </a:r>
+            <a:r>
+              <a:rPr lang="es-ES" b="1"/>
+              <a:t>Xn’</a:t>
+            </a:r>
+            <a:endParaRPr lang="es-ES" b="1" dirty="0"/>
+          </a:p>
+        </p:txBody>
+      </p:sp>
+      <p:sp>
+        <p:nvSpPr>
+          <p:cNvPr id="11" name="Rectángulo 10">
+            <a:extLst>
+              <a:ext uri="{FF2B5EF4-FFF2-40B4-BE49-F238E27FC236}">
+                <a16:creationId xmlns:a16="http://schemas.microsoft.com/office/drawing/2014/main" id="{C181328E-0131-45F2-8D42-7D4B1798A3BC}"/>
+              </a:ext>
+            </a:extLst>
+          </p:cNvPr>
+          <p:cNvSpPr/>
+          <p:nvPr/>
+        </p:nvSpPr>
+        <p:spPr>
+          <a:xfrm>
+            <a:off x="571618" y="1580164"/>
+            <a:ext cx="3563796" cy="369332"/>
+          </a:xfrm>
+          <a:prstGeom prst="rect">
+            <a:avLst/>
+          </a:prstGeom>
+        </p:spPr>
+        <p:txBody>
+          <a:bodyPr wrap="none">
+            <a:spAutoFit/>
+          </a:bodyPr>
+          <a:lstStyle/>
+          <a:p>
+            <a:pPr marL="285750" indent="-285750">
+              <a:buFont typeface="Wingdings" panose="05000000000000000000" pitchFamily="2" charset="2"/>
+              <a:buChar char="ü"/>
+            </a:pPr>
+            <a:r>
+              <a:rPr lang="es-ES" b="1" dirty="0">
+                <a:solidFill>
+                  <a:schemeClr val="accent4"/>
+                </a:solidFill>
+              </a:rPr>
+              <a:t>Identificación completada</a:t>
+            </a:r>
+          </a:p>
+        </p:txBody>
+      </p:sp>
+      <p:sp>
+        <p:nvSpPr>
+          <p:cNvPr id="12" name="Rectángulo 11">
+            <a:extLst>
+              <a:ext uri="{FF2B5EF4-FFF2-40B4-BE49-F238E27FC236}">
+                <a16:creationId xmlns:a16="http://schemas.microsoft.com/office/drawing/2014/main" id="{E6433CE4-0213-428C-BE84-C1F01E9A21D2}"/>
+              </a:ext>
+            </a:extLst>
+          </p:cNvPr>
+          <p:cNvSpPr/>
+          <p:nvPr/>
+        </p:nvSpPr>
+        <p:spPr>
+          <a:xfrm>
+            <a:off x="571618" y="2013169"/>
+            <a:ext cx="2953053" cy="369332"/>
+          </a:xfrm>
+          <a:prstGeom prst="rect">
+            <a:avLst/>
+          </a:prstGeom>
+        </p:spPr>
+        <p:txBody>
+          <a:bodyPr wrap="none">
+            <a:spAutoFit/>
+          </a:bodyPr>
+          <a:lstStyle/>
+          <a:p>
+            <a:pPr marL="285750" indent="-285750">
+              <a:buFont typeface="Wingdings" panose="05000000000000000000" pitchFamily="2" charset="2"/>
+              <a:buChar char="ü"/>
+            </a:pPr>
+            <a:r>
+              <a:rPr lang="es-ES" b="1" dirty="0">
+                <a:solidFill>
+                  <a:schemeClr val="accent4"/>
+                </a:solidFill>
+              </a:rPr>
+              <a:t>Apertura completada</a:t>
+            </a:r>
+          </a:p>
+        </p:txBody>
+      </p:sp>
+      <p:sp>
+        <p:nvSpPr>
+          <p:cNvPr id="13" name="Flecha: hacia la izquierda 12">
+            <a:extLst>
+              <a:ext uri="{FF2B5EF4-FFF2-40B4-BE49-F238E27FC236}">
+                <a16:creationId xmlns:a16="http://schemas.microsoft.com/office/drawing/2014/main" id="{8467306D-D3F6-46C5-96B6-B17C08B9427C}"/>
+              </a:ext>
+            </a:extLst>
+          </p:cNvPr>
+          <p:cNvSpPr/>
+          <p:nvPr/>
+        </p:nvSpPr>
+        <p:spPr>
+          <a:xfrm>
+            <a:off x="3957541" y="3571899"/>
+            <a:ext cx="3376246" cy="369331"/>
+          </a:xfrm>
+          <a:prstGeom prst="leftArrow">
+            <a:avLst/>
+          </a:prstGeom>
+          <a:solidFill>
+            <a:srgbClr val="00B050"/>
+          </a:solidFill>
+          <a:ln>
+            <a:solidFill>
+              <a:schemeClr val="bg1"/>
+            </a:solidFill>
+          </a:ln>
+        </p:spPr>
+        <p:style>
+          <a:lnRef idx="2">
+            <a:schemeClr val="accent1">
+              <a:shade val="50000"/>
+            </a:schemeClr>
+          </a:lnRef>
+          <a:fillRef idx="1">
+            <a:schemeClr val="accent1"/>
+          </a:fillRef>
+          <a:effectRef idx="0">
+            <a:schemeClr val="accent1"/>
+          </a:effectRef>
+          <a:fontRef idx="minor">
+            <a:schemeClr val="lt1"/>
+          </a:fontRef>
+        </p:style>
+        <p:txBody>
+          <a:bodyPr rtlCol="0" anchor="ctr"/>
+          <a:lstStyle/>
+          <a:p>
+            <a:pPr algn="ctr"/>
+            <a:endParaRPr lang="es-ES">
+              <a:solidFill>
+                <a:schemeClr val="bg1"/>
+              </a:solidFill>
+            </a:endParaRPr>
+          </a:p>
+        </p:txBody>
+      </p:sp>
+      <p:sp>
+        <p:nvSpPr>
+          <p:cNvPr id="14" name="Rectángulo 13">
+            <a:extLst>
+              <a:ext uri="{FF2B5EF4-FFF2-40B4-BE49-F238E27FC236}">
+                <a16:creationId xmlns:a16="http://schemas.microsoft.com/office/drawing/2014/main" id="{599DD49C-6C9E-40DB-BD73-28B747E18D80}"/>
+              </a:ext>
+            </a:extLst>
+          </p:cNvPr>
+          <p:cNvSpPr/>
+          <p:nvPr/>
+        </p:nvSpPr>
+        <p:spPr>
+          <a:xfrm>
+            <a:off x="5280436" y="2470242"/>
+            <a:ext cx="521297" cy="369332"/>
+          </a:xfrm>
+          <a:prstGeom prst="rect">
+            <a:avLst/>
+          </a:prstGeom>
+        </p:spPr>
+        <p:txBody>
+          <a:bodyPr wrap="none">
+            <a:spAutoFit/>
+          </a:bodyPr>
+          <a:lstStyle/>
+          <a:p>
+            <a:r>
+              <a:rPr lang="es-ES" b="1" dirty="0"/>
+              <a:t>OK</a:t>
+            </a:r>
+          </a:p>
+        </p:txBody>
+      </p:sp>
+    </p:spTree>
+    <p:extLst>
+      <p:ext uri="{BB962C8B-B14F-4D97-AF65-F5344CB8AC3E}">
+        <p14:creationId xmlns:p14="http://schemas.microsoft.com/office/powerpoint/2010/main" val="1820109334"/>
+      </p:ext>
+    </p:extLst>
+  </p:cSld>
+  <p:clrMapOvr>
+    <a:masterClrMapping/>
+  </p:clrMapOvr>
+  <p:timing>
+    <p:tnLst>
+      <p:par>
+        <p:cTn id="1" dur="indefinite" restart="never" nodeType="tmRoot">
+          <p:childTnLst>
+            <p:seq concurrent="1" nextAc="seek">
+              <p:cTn id="2" dur="indefinite" nodeType="mainSeq">
+                <p:childTnLst>
+                  <p:par>
+                    <p:cTn id="3" fill="hold">
+                      <p:stCondLst>
+                        <p:cond delay="indefinite"/>
+                      </p:stCondLst>
+                      <p:childTnLst>
+                        <p:par>
+                          <p:cTn id="4" fill="hold">
+                            <p:stCondLst>
+                              <p:cond delay="0"/>
+                            </p:stCondLst>
+                            <p:childTnLst>
+                              <p:par>
+                                <p:cTn id="5" presetID="22" presetClass="entr" presetSubtype="4" fill="hold" grpId="0" nodeType="clickEffect">
+                                  <p:stCondLst>
+                                    <p:cond delay="0"/>
+                                  </p:stCondLst>
+                                  <p:childTnLst>
+                                    <p:set>
+                                      <p:cBhvr>
+                                        <p:cTn id="6" dur="1" fill="hold">
+                                          <p:stCondLst>
+                                            <p:cond delay="0"/>
+                                          </p:stCondLst>
+                                        </p:cTn>
+                                        <p:tgtEl>
+                                          <p:spTgt spid="2"/>
+                                        </p:tgtEl>
+                                        <p:attrNameLst>
+                                          <p:attrName>style.visibility</p:attrName>
+                                        </p:attrNameLst>
+                                      </p:cBhvr>
+                                      <p:to>
+                                        <p:strVal val="visible"/>
+                                      </p:to>
+                                    </p:set>
+                                    <p:animEffect transition="in" filter="wipe(down)">
+                                      <p:cBhvr>
+                                        <p:cTn id="7" dur="500"/>
+                                        <p:tgtEl>
+                                          <p:spTgt spid="2"/>
+                                        </p:tgtEl>
+                                      </p:cBhvr>
+                                    </p:animEffect>
+                                  </p:childTnLst>
+                                </p:cTn>
+                              </p:par>
+                            </p:childTnLst>
+                          </p:cTn>
+                        </p:par>
+                      </p:childTnLst>
+                    </p:cTn>
+                  </p:par>
+                  <p:par>
+                    <p:cTn id="8" fill="hold">
+                      <p:stCondLst>
+                        <p:cond delay="indefinite"/>
+                      </p:stCondLst>
+                      <p:childTnLst>
+                        <p:par>
+                          <p:cTn id="9" fill="hold">
+                            <p:stCondLst>
+                              <p:cond delay="0"/>
+                            </p:stCondLst>
+                            <p:childTnLst>
+                              <p:par>
+                                <p:cTn id="10" presetID="16" presetClass="entr" presetSubtype="21" fill="hold" nodeType="clickEffect">
+                                  <p:stCondLst>
+                                    <p:cond delay="0"/>
+                                  </p:stCondLst>
+                                  <p:childTnLst>
+                                    <p:set>
+                                      <p:cBhvr>
+                                        <p:cTn id="11" dur="1" fill="hold">
+                                          <p:stCondLst>
+                                            <p:cond delay="0"/>
+                                          </p:stCondLst>
+                                        </p:cTn>
+                                        <p:tgtEl>
+                                          <p:spTgt spid="8"/>
+                                        </p:tgtEl>
+                                        <p:attrNameLst>
+                                          <p:attrName>style.visibility</p:attrName>
+                                        </p:attrNameLst>
+                                      </p:cBhvr>
+                                      <p:to>
+                                        <p:strVal val="visible"/>
+                                      </p:to>
+                                    </p:set>
+                                    <p:animEffect transition="in" filter="barn(inVertical)">
+                                      <p:cBhvr>
+                                        <p:cTn id="12" dur="500"/>
+                                        <p:tgtEl>
+                                          <p:spTgt spid="8"/>
+                                        </p:tgtEl>
+                                      </p:cBhvr>
+                                    </p:animEffect>
+                                  </p:childTnLst>
+                                </p:cTn>
+                              </p:par>
+                            </p:childTnLst>
+                          </p:cTn>
+                        </p:par>
+                      </p:childTnLst>
+                    </p:cTn>
+                  </p:par>
+                  <p:par>
+                    <p:cTn id="13" fill="hold">
+                      <p:stCondLst>
+                        <p:cond delay="indefinite"/>
+                      </p:stCondLst>
+                      <p:childTnLst>
+                        <p:par>
+                          <p:cTn id="14" fill="hold">
+                            <p:stCondLst>
+                              <p:cond delay="0"/>
+                            </p:stCondLst>
+                            <p:childTnLst>
+                              <p:par>
+                                <p:cTn id="15" presetID="42" presetClass="entr" presetSubtype="0" fill="hold" grpId="0" nodeType="clickEffect">
+                                  <p:stCondLst>
+                                    <p:cond delay="0"/>
+                                  </p:stCondLst>
+                                  <p:childTnLst>
+                                    <p:set>
+                                      <p:cBhvr>
+                                        <p:cTn id="16" dur="1" fill="hold">
+                                          <p:stCondLst>
+                                            <p:cond delay="0"/>
+                                          </p:stCondLst>
+                                        </p:cTn>
+                                        <p:tgtEl>
+                                          <p:spTgt spid="9"/>
+                                        </p:tgtEl>
+                                        <p:attrNameLst>
+                                          <p:attrName>style.visibility</p:attrName>
+                                        </p:attrNameLst>
+                                      </p:cBhvr>
+                                      <p:to>
+                                        <p:strVal val="visible"/>
+                                      </p:to>
+                                    </p:set>
+                                    <p:animEffect transition="in" filter="fade">
+                                      <p:cBhvr>
+                                        <p:cTn id="17" dur="1000"/>
+                                        <p:tgtEl>
+                                          <p:spTgt spid="9"/>
+                                        </p:tgtEl>
+                                      </p:cBhvr>
+                                    </p:animEffect>
+                                    <p:anim calcmode="lin" valueType="num">
+                                      <p:cBhvr>
+                                        <p:cTn id="18" dur="1000" fill="hold"/>
+                                        <p:tgtEl>
+                                          <p:spTgt spid="9"/>
+                                        </p:tgtEl>
+                                        <p:attrNameLst>
+                                          <p:attrName>ppt_x</p:attrName>
+                                        </p:attrNameLst>
+                                      </p:cBhvr>
+                                      <p:tavLst>
+                                        <p:tav tm="0">
+                                          <p:val>
+                                            <p:strVal val="#ppt_x"/>
+                                          </p:val>
+                                        </p:tav>
+                                        <p:tav tm="100000">
+                                          <p:val>
+                                            <p:strVal val="#ppt_x"/>
+                                          </p:val>
+                                        </p:tav>
+                                      </p:tavLst>
+                                    </p:anim>
+                                    <p:anim calcmode="lin" valueType="num">
+                                      <p:cBhvr>
+                                        <p:cTn id="19" dur="1000" fill="hold"/>
+                                        <p:tgtEl>
+                                          <p:spTgt spid="9"/>
+                                        </p:tgtEl>
+                                        <p:attrNameLst>
+                                          <p:attrName>ppt_y</p:attrName>
+                                        </p:attrNameLst>
+                                      </p:cBhvr>
+                                      <p:tavLst>
+                                        <p:tav tm="0">
+                                          <p:val>
+                                            <p:strVal val="#ppt_y+.1"/>
+                                          </p:val>
+                                        </p:tav>
+                                        <p:tav tm="100000">
+                                          <p:val>
+                                            <p:strVal val="#ppt_y"/>
+                                          </p:val>
+                                        </p:tav>
+                                      </p:tavLst>
+                                    </p:anim>
+                                  </p:childTnLst>
+                                </p:cTn>
+                              </p:par>
+                            </p:childTnLst>
+                          </p:cTn>
+                        </p:par>
+                      </p:childTnLst>
+                    </p:cTn>
+                  </p:par>
+                  <p:par>
+                    <p:cTn id="20" fill="hold">
+                      <p:stCondLst>
+                        <p:cond delay="indefinite"/>
+                      </p:stCondLst>
+                      <p:childTnLst>
+                        <p:par>
+                          <p:cTn id="21" fill="hold">
+                            <p:stCondLst>
+                              <p:cond delay="0"/>
+                            </p:stCondLst>
+                            <p:childTnLst>
+                              <p:par>
+                                <p:cTn id="22" presetID="22" presetClass="entr" presetSubtype="4" fill="hold" grpId="0" nodeType="clickEffect">
+                                  <p:stCondLst>
+                                    <p:cond delay="0"/>
+                                  </p:stCondLst>
+                                  <p:childTnLst>
+                                    <p:set>
+                                      <p:cBhvr>
+                                        <p:cTn id="23" dur="1" fill="hold">
+                                          <p:stCondLst>
+                                            <p:cond delay="0"/>
+                                          </p:stCondLst>
+                                        </p:cTn>
+                                        <p:tgtEl>
+                                          <p:spTgt spid="13"/>
+                                        </p:tgtEl>
+                                        <p:attrNameLst>
+                                          <p:attrName>style.visibility</p:attrName>
+                                        </p:attrNameLst>
+                                      </p:cBhvr>
+                                      <p:to>
+                                        <p:strVal val="visible"/>
+                                      </p:to>
+                                    </p:set>
+                                    <p:animEffect transition="in" filter="wipe(down)">
+                                      <p:cBhvr>
+                                        <p:cTn id="24" dur="500"/>
+                                        <p:tgtEl>
+                                          <p:spTgt spid="13"/>
+                                        </p:tgtEl>
+                                      </p:cBhvr>
+                                    </p:animEffect>
+                                  </p:childTnLst>
+                                </p:cTn>
+                              </p:par>
+                            </p:childTnLst>
+                          </p:cTn>
+                        </p:par>
+                      </p:childTnLst>
+                    </p:cTn>
+                  </p:par>
+                  <p:par>
+                    <p:cTn id="25" fill="hold">
+                      <p:stCondLst>
+                        <p:cond delay="indefinite"/>
+                      </p:stCondLst>
+                      <p:childTnLst>
+                        <p:par>
+                          <p:cTn id="26" fill="hold">
+                            <p:stCondLst>
+                              <p:cond delay="0"/>
+                            </p:stCondLst>
+                            <p:childTnLst>
+                              <p:par>
+                                <p:cTn id="27" presetID="16" presetClass="entr" presetSubtype="21" fill="hold" nodeType="clickEffect">
+                                  <p:stCondLst>
+                                    <p:cond delay="0"/>
+                                  </p:stCondLst>
+                                  <p:childTnLst>
+                                    <p:set>
+                                      <p:cBhvr>
+                                        <p:cTn id="28" dur="1" fill="hold">
+                                          <p:stCondLst>
+                                            <p:cond delay="0"/>
+                                          </p:stCondLst>
+                                        </p:cTn>
+                                        <p:tgtEl>
+                                          <p:spTgt spid="7"/>
+                                        </p:tgtEl>
+                                        <p:attrNameLst>
+                                          <p:attrName>style.visibility</p:attrName>
+                                        </p:attrNameLst>
+                                      </p:cBhvr>
+                                      <p:to>
+                                        <p:strVal val="visible"/>
+                                      </p:to>
+                                    </p:set>
+                                    <p:animEffect transition="in" filter="barn(inVertical)">
+                                      <p:cBhvr>
+                                        <p:cTn id="29" dur="500"/>
+                                        <p:tgtEl>
+                                          <p:spTgt spid="7"/>
+                                        </p:tgtEl>
+                                      </p:cBhvr>
+                                    </p:animEffect>
+                                  </p:childTnLst>
+                                </p:cTn>
+                              </p:par>
+                            </p:childTnLst>
+                          </p:cTn>
+                        </p:par>
+                      </p:childTnLst>
+                    </p:cTn>
+                  </p:par>
+                  <p:par>
+                    <p:cTn id="30" fill="hold">
+                      <p:stCondLst>
+                        <p:cond delay="indefinite"/>
+                      </p:stCondLst>
+                      <p:childTnLst>
+                        <p:par>
+                          <p:cTn id="31" fill="hold">
+                            <p:stCondLst>
+                              <p:cond delay="0"/>
+                            </p:stCondLst>
+                            <p:childTnLst>
+                              <p:par>
+                                <p:cTn id="32" presetID="42" presetClass="entr" presetSubtype="0" fill="hold" grpId="0" nodeType="clickEffect">
+                                  <p:stCondLst>
+                                    <p:cond delay="0"/>
+                                  </p:stCondLst>
+                                  <p:childTnLst>
+                                    <p:set>
+                                      <p:cBhvr>
+                                        <p:cTn id="33" dur="1" fill="hold">
+                                          <p:stCondLst>
+                                            <p:cond delay="0"/>
+                                          </p:stCondLst>
+                                        </p:cTn>
+                                        <p:tgtEl>
+                                          <p:spTgt spid="14"/>
+                                        </p:tgtEl>
+                                        <p:attrNameLst>
+                                          <p:attrName>style.visibility</p:attrName>
+                                        </p:attrNameLst>
+                                      </p:cBhvr>
+                                      <p:to>
+                                        <p:strVal val="visible"/>
+                                      </p:to>
+                                    </p:set>
+                                    <p:animEffect transition="in" filter="fade">
+                                      <p:cBhvr>
+                                        <p:cTn id="34" dur="1000"/>
+                                        <p:tgtEl>
+                                          <p:spTgt spid="14"/>
+                                        </p:tgtEl>
+                                      </p:cBhvr>
+                                    </p:animEffect>
+                                    <p:anim calcmode="lin" valueType="num">
+                                      <p:cBhvr>
+                                        <p:cTn id="35" dur="1000" fill="hold"/>
+                                        <p:tgtEl>
+                                          <p:spTgt spid="14"/>
+                                        </p:tgtEl>
+                                        <p:attrNameLst>
+                                          <p:attrName>ppt_x</p:attrName>
+                                        </p:attrNameLst>
+                                      </p:cBhvr>
+                                      <p:tavLst>
+                                        <p:tav tm="0">
+                                          <p:val>
+                                            <p:strVal val="#ppt_x"/>
+                                          </p:val>
+                                        </p:tav>
+                                        <p:tav tm="100000">
+                                          <p:val>
+                                            <p:strVal val="#ppt_x"/>
+                                          </p:val>
+                                        </p:tav>
+                                      </p:tavLst>
+                                    </p:anim>
+                                    <p:anim calcmode="lin" valueType="num">
+                                      <p:cBhvr>
+                                        <p:cTn id="36" dur="1000" fill="hold"/>
+                                        <p:tgtEl>
+                                          <p:spTgt spid="14"/>
+                                        </p:tgtEl>
+                                        <p:attrNameLst>
+                                          <p:attrName>ppt_y</p:attrName>
+                                        </p:attrNameLst>
+                                      </p:cBhvr>
+                                      <p:tavLst>
+                                        <p:tav tm="0">
+                                          <p:val>
+                                            <p:strVal val="#ppt_y+.1"/>
+                                          </p:val>
+                                        </p:tav>
+                                        <p:tav tm="100000">
+                                          <p:val>
+                                            <p:strVal val="#ppt_y"/>
+                                          </p:val>
+                                        </p:tav>
+                                      </p:tavLst>
+                                    </p:anim>
+                                  </p:childTnLst>
+                                </p:cTn>
+                              </p:par>
+                            </p:childTnLst>
+                          </p:cTn>
+                        </p:par>
+                      </p:childTnLst>
+                    </p:cTn>
+                  </p:par>
+                </p:childTnLst>
+              </p:cTn>
+              <p:prevCondLst>
+                <p:cond evt="onPrev" delay="0">
+                  <p:tgtEl>
+                    <p:sldTgt/>
+                  </p:tgtEl>
+                </p:cond>
+              </p:prevCondLst>
+              <p:nextCondLst>
+                <p:cond evt="onNext" delay="0">
+                  <p:tgtEl>
+                    <p:sldTgt/>
+                  </p:tgtEl>
+                </p:cond>
+              </p:nextCondLst>
+            </p:seq>
+          </p:childTnLst>
+        </p:cTn>
+      </p:par>
+    </p:tnLst>
+    <p:bldLst>
+      <p:bldP spid="2" grpId="0" animBg="1"/>
+      <p:bldP spid="9" grpId="0"/>
+      <p:bldP spid="13" grpId="0" animBg="1"/>
+      <p:bldP spid="14" grpId="0"/>
+    </p:bldLst>
+  </p:timing>
+</p:sld>
+</file>
+
+<file path=ppt/slides/slide11.xml><?xml version="1.0" encoding="utf-8"?>
 <p:sld xmlns:a="http://schemas.openxmlformats.org/drawingml/2006/main" xmlns:r="http://schemas.openxmlformats.org/officeDocument/2006/relationships" xmlns:p="http://schemas.openxmlformats.org/presentationml/2006/main">
   <p:cSld>
     <p:spTree>
@@ -8853,7 +9795,7 @@
 </p:sld>
 </file>
 
-<file path=ppt/slides/slide11.xml><?xml version="1.0" encoding="utf-8"?>
+<file path=ppt/slides/slide12.xml><?xml version="1.0" encoding="utf-8"?>
 <p:sld xmlns:a="http://schemas.openxmlformats.org/drawingml/2006/main" xmlns:r="http://schemas.openxmlformats.org/officeDocument/2006/relationships" xmlns:p="http://schemas.openxmlformats.org/presentationml/2006/main">
   <p:cSld>
     <p:spTree>
@@ -8884,7 +9826,7 @@
         </p:nvSpPr>
         <p:spPr>
           <a:xfrm>
-            <a:off x="1165841" y="979436"/>
+            <a:off x="650964" y="523322"/>
             <a:ext cx="2217274" cy="584775"/>
           </a:xfrm>
           <a:prstGeom prst="rect">
@@ -8922,8 +9864,8 @@
         </p:nvSpPr>
         <p:spPr>
           <a:xfrm>
-            <a:off x="1688123" y="2011680"/>
-            <a:ext cx="4979963" cy="830997"/>
+            <a:off x="1209820" y="1108097"/>
+            <a:ext cx="10030265" cy="2308324"/>
           </a:xfrm>
           <a:prstGeom prst="rect">
             <a:avLst/>
@@ -8942,7 +9884,7 @@
             </a:pPr>
             <a:r>
               <a:rPr lang="es-ES" sz="2400" dirty="0"/>
-              <a:t>Identificación de usuarios</a:t>
+              <a:t>Identificación de usuarios con números aleatorios</a:t>
             </a:r>
           </a:p>
           <a:p>
@@ -8954,6 +9896,43 @@
               <a:rPr lang="es-ES" sz="2400" dirty="0"/>
               <a:t>Denegación de conexión</a:t>
             </a:r>
+          </a:p>
+          <a:p>
+            <a:pPr marL="285750" indent="-285750">
+              <a:buFont typeface="Arial" panose="020B0604020202020204" pitchFamily="34" charset="0"/>
+              <a:buChar char="•"/>
+            </a:pPr>
+            <a:r>
+              <a:rPr lang="es-ES" sz="2400" dirty="0"/>
+              <a:t>Conexión por Bluetooth</a:t>
+            </a:r>
+          </a:p>
+          <a:p>
+            <a:pPr marL="285750" indent="-285750">
+              <a:buFont typeface="Arial" panose="020B0604020202020204" pitchFamily="34" charset="0"/>
+              <a:buChar char="•"/>
+            </a:pPr>
+            <a:r>
+              <a:rPr lang="es-ES" sz="2400" dirty="0"/>
+              <a:t>Envío y recibo de mensajes</a:t>
+            </a:r>
+          </a:p>
+          <a:p>
+            <a:pPr marL="285750" indent="-285750">
+              <a:buFont typeface="Arial" panose="020B0604020202020204" pitchFamily="34" charset="0"/>
+              <a:buChar char="•"/>
+            </a:pPr>
+            <a:r>
+              <a:rPr lang="es-ES" sz="2400" dirty="0"/>
+              <a:t>Escritura/Lectura en memoria SD</a:t>
+            </a:r>
+          </a:p>
+          <a:p>
+            <a:pPr marL="285750" indent="-285750">
+              <a:buFont typeface="Arial" panose="020B0604020202020204" pitchFamily="34" charset="0"/>
+              <a:buChar char="•"/>
+            </a:pPr>
+            <a:endParaRPr lang="es-ES" sz="2400" dirty="0"/>
           </a:p>
         </p:txBody>
       </p:sp>
@@ -8971,7 +9950,7 @@
         </p:nvSpPr>
         <p:spPr>
           <a:xfrm>
-            <a:off x="1165841" y="3136612"/>
+            <a:off x="650964" y="3515817"/>
             <a:ext cx="4802918" cy="584775"/>
           </a:xfrm>
           <a:prstGeom prst="rect">
@@ -9009,8 +9988,8 @@
         </p:nvSpPr>
         <p:spPr>
           <a:xfrm>
-            <a:off x="1759601" y="4199988"/>
-            <a:ext cx="5921359" cy="1200329"/>
+            <a:off x="1209820" y="4298462"/>
+            <a:ext cx="8778242" cy="1938992"/>
           </a:xfrm>
           <a:prstGeom prst="rect">
             <a:avLst/>
@@ -9051,6 +10030,19 @@
               <a:rPr lang="es-ES" sz="2400" dirty="0"/>
               <a:t>Gestión de ficheros desde Bluetooth</a:t>
             </a:r>
+          </a:p>
+          <a:p>
+            <a:pPr marL="285750" indent="-285750">
+              <a:buFont typeface="Arial" panose="020B0604020202020204" pitchFamily="34" charset="0"/>
+              <a:buChar char="•"/>
+            </a:pPr>
+            <a:r>
+              <a:rPr lang="es-ES" sz="2400" dirty="0"/>
+              <a:t>Capacidad de crear llave temporal desde el máster</a:t>
+            </a:r>
+          </a:p>
+          <a:p>
+            <a:endParaRPr lang="es-ES" sz="2400" dirty="0"/>
           </a:p>
         </p:txBody>
       </p:sp>
@@ -9067,7 +10059,7 @@
 </p:sld>
 </file>
 
-<file path=ppt/slides/slide12.xml><?xml version="1.0" encoding="utf-8"?>
+<file path=ppt/slides/slide13.xml><?xml version="1.0" encoding="utf-8"?>
 <p:sld xmlns:a="http://schemas.openxmlformats.org/drawingml/2006/main" xmlns:r="http://schemas.openxmlformats.org/officeDocument/2006/relationships" xmlns:p="http://schemas.openxmlformats.org/presentationml/2006/main">
   <p:cSld>
     <p:spTree>
@@ -9730,7 +10722,7 @@
             </a:r>
             <a:r>
               <a:rPr lang="es-ES" u="sng" dirty="0"/>
-              <a:t> ARDUINO</a:t>
+              <a:t> ARDUINO(I)</a:t>
             </a:r>
           </a:p>
         </p:txBody>
@@ -10610,6 +11602,104 @@
 </file>
 
 <file path=ppt/slides/slide3.xml><?xml version="1.0" encoding="utf-8"?>
+<p:sld xmlns:a="http://schemas.openxmlformats.org/drawingml/2006/main" xmlns:r="http://schemas.openxmlformats.org/officeDocument/2006/relationships" xmlns:p="http://schemas.openxmlformats.org/presentationml/2006/main">
+  <p:cSld>
+    <p:spTree>
+      <p:nvGrpSpPr>
+        <p:cNvPr id="1" name=""/>
+        <p:cNvGrpSpPr/>
+        <p:nvPr/>
+      </p:nvGrpSpPr>
+      <p:grpSpPr>
+        <a:xfrm>
+          <a:off x="0" y="0"/>
+          <a:ext cx="0" cy="0"/>
+          <a:chOff x="0" y="0"/>
+          <a:chExt cx="0" cy="0"/>
+        </a:xfrm>
+      </p:grpSpPr>
+      <p:sp>
+        <p:nvSpPr>
+          <p:cNvPr id="2" name="Título 1">
+            <a:extLst>
+              <a:ext uri="{FF2B5EF4-FFF2-40B4-BE49-F238E27FC236}">
+                <a16:creationId xmlns:a16="http://schemas.microsoft.com/office/drawing/2014/main" id="{E4C5D46D-5CCA-4919-BB31-E2A05EF61A54}"/>
+              </a:ext>
+            </a:extLst>
+          </p:cNvPr>
+          <p:cNvSpPr>
+            <a:spLocks noGrp="1"/>
+          </p:cNvSpPr>
+          <p:nvPr>
+            <p:ph type="title"/>
+          </p:nvPr>
+        </p:nvSpPr>
+        <p:spPr/>
+        <p:txBody>
+          <a:bodyPr/>
+          <a:lstStyle/>
+          <a:p>
+            <a:r>
+              <a:rPr lang="es-ES" u="sng" dirty="0" err="1"/>
+              <a:t>INSTALACIón</a:t>
+            </a:r>
+            <a:r>
+              <a:rPr lang="es-ES" u="sng" dirty="0"/>
+              <a:t> ARDUINO(II)</a:t>
+            </a:r>
+            <a:endParaRPr lang="es-ES" dirty="0"/>
+          </a:p>
+        </p:txBody>
+      </p:sp>
+      <p:pic>
+        <p:nvPicPr>
+          <p:cNvPr id="5" name="Marcador de contenido 4">
+            <a:extLst>
+              <a:ext uri="{FF2B5EF4-FFF2-40B4-BE49-F238E27FC236}">
+                <a16:creationId xmlns:a16="http://schemas.microsoft.com/office/drawing/2014/main" id="{00683D66-95C2-46D1-9759-C3DC2B8BFA89}"/>
+              </a:ext>
+            </a:extLst>
+          </p:cNvPr>
+          <p:cNvPicPr>
+            <a:picLocks noGrp="1" noChangeAspect="1"/>
+          </p:cNvPicPr>
+          <p:nvPr>
+            <p:ph idx="1"/>
+          </p:nvPr>
+        </p:nvPicPr>
+        <p:blipFill>
+          <a:blip r:embed="rId2">
+            <a:extLst>
+              <a:ext uri="{28A0092B-C50C-407E-A947-70E740481C1C}">
+                <a14:useLocalDpi xmlns:a14="http://schemas.microsoft.com/office/drawing/2010/main" val="0"/>
+              </a:ext>
+            </a:extLst>
+          </a:blip>
+          <a:stretch>
+            <a:fillRect/>
+          </a:stretch>
+        </p:blipFill>
+        <p:spPr>
+          <a:xfrm>
+            <a:off x="1195754" y="2193925"/>
+            <a:ext cx="7913508" cy="4024313"/>
+          </a:xfrm>
+        </p:spPr>
+      </p:pic>
+    </p:spTree>
+    <p:extLst>
+      <p:ext uri="{BB962C8B-B14F-4D97-AF65-F5344CB8AC3E}">
+        <p14:creationId xmlns:p14="http://schemas.microsoft.com/office/powerpoint/2010/main" val="4174696350"/>
+      </p:ext>
+    </p:extLst>
+  </p:cSld>
+  <p:clrMapOvr>
+    <a:masterClrMapping/>
+  </p:clrMapOvr>
+</p:sld>
+</file>
+
+<file path=ppt/slides/slide4.xml><?xml version="1.0" encoding="utf-8"?>
 <p:sld xmlns:a="http://schemas.openxmlformats.org/drawingml/2006/main" xmlns:r="http://schemas.openxmlformats.org/officeDocument/2006/relationships" xmlns:p="http://schemas.openxmlformats.org/presentationml/2006/main">
   <p:cSld>
     <p:spTree>
@@ -11571,7 +12661,7 @@
 </p:sld>
 </file>
 
-<file path=ppt/slides/slide4.xml><?xml version="1.0" encoding="utf-8"?>
+<file path=ppt/slides/slide5.xml><?xml version="1.0" encoding="utf-8"?>
 <p:sld xmlns:a="http://schemas.openxmlformats.org/drawingml/2006/main" xmlns:r="http://schemas.openxmlformats.org/officeDocument/2006/relationships" xmlns:p="http://schemas.openxmlformats.org/presentationml/2006/main">
   <p:cSld>
     <p:spTree>
@@ -12521,902 +13611,6 @@
 </p:sld>
 </file>
 
-<file path=ppt/slides/slide5.xml><?xml version="1.0" encoding="utf-8"?>
-<p:sld xmlns:a="http://schemas.openxmlformats.org/drawingml/2006/main" xmlns:r="http://schemas.openxmlformats.org/officeDocument/2006/relationships" xmlns:p="http://schemas.openxmlformats.org/presentationml/2006/main">
-  <p:cSld>
-    <p:spTree>
-      <p:nvGrpSpPr>
-        <p:cNvPr id="1" name=""/>
-        <p:cNvGrpSpPr/>
-        <p:nvPr/>
-      </p:nvGrpSpPr>
-      <p:grpSpPr>
-        <a:xfrm>
-          <a:off x="0" y="0"/>
-          <a:ext cx="0" cy="0"/>
-          <a:chOff x="0" y="0"/>
-          <a:chExt cx="0" cy="0"/>
-        </a:xfrm>
-      </p:grpSpPr>
-      <p:pic>
-        <p:nvPicPr>
-          <p:cNvPr id="3" name="Imagen 2">
-            <a:extLst>
-              <a:ext uri="{FF2B5EF4-FFF2-40B4-BE49-F238E27FC236}">
-                <a16:creationId xmlns:a16="http://schemas.microsoft.com/office/drawing/2014/main" id="{EEA7E6E5-8604-4E35-9186-61E26F5EA23B}"/>
-              </a:ext>
-            </a:extLst>
-          </p:cNvPr>
-          <p:cNvPicPr>
-            <a:picLocks noChangeAspect="1"/>
-          </p:cNvPicPr>
-          <p:nvPr/>
-        </p:nvPicPr>
-        <p:blipFill>
-          <a:blip r:embed="rId3">
-            <a:extLst>
-              <a:ext uri="{28A0092B-C50C-407E-A947-70E740481C1C}">
-                <a14:useLocalDpi xmlns:a14="http://schemas.microsoft.com/office/drawing/2010/main" val="0"/>
-              </a:ext>
-            </a:extLst>
-          </a:blip>
-          <a:stretch>
-            <a:fillRect/>
-          </a:stretch>
-        </p:blipFill>
-        <p:spPr>
-          <a:xfrm>
-            <a:off x="7740271" y="2512470"/>
-            <a:ext cx="3030821" cy="2159758"/>
-          </a:xfrm>
-          <a:prstGeom prst="rect">
-            <a:avLst/>
-          </a:prstGeom>
-        </p:spPr>
-      </p:pic>
-      <p:pic>
-        <p:nvPicPr>
-          <p:cNvPr id="5" name="Imagen 4">
-            <a:extLst>
-              <a:ext uri="{FF2B5EF4-FFF2-40B4-BE49-F238E27FC236}">
-                <a16:creationId xmlns:a16="http://schemas.microsoft.com/office/drawing/2014/main" id="{E771B778-E301-4E02-8202-114D9E17E0C1}"/>
-              </a:ext>
-            </a:extLst>
-          </p:cNvPr>
-          <p:cNvPicPr>
-            <a:picLocks noChangeAspect="1"/>
-          </p:cNvPicPr>
-          <p:nvPr/>
-        </p:nvPicPr>
-        <p:blipFill rotWithShape="1">
-          <a:blip r:embed="rId4">
-            <a:extLst>
-              <a:ext uri="{28A0092B-C50C-407E-A947-70E740481C1C}">
-                <a14:useLocalDpi xmlns:a14="http://schemas.microsoft.com/office/drawing/2010/main" val="0"/>
-              </a:ext>
-            </a:extLst>
-          </a:blip>
-          <a:srcRect l="25494" t="3828" r="23962" b="4932"/>
-          <a:stretch/>
-        </p:blipFill>
-        <p:spPr>
-          <a:xfrm>
-            <a:off x="1811910" y="2656755"/>
-            <a:ext cx="1083213" cy="1955411"/>
-          </a:xfrm>
-          <a:prstGeom prst="rect">
-            <a:avLst/>
-          </a:prstGeom>
-        </p:spPr>
-      </p:pic>
-      <p:sp>
-        <p:nvSpPr>
-          <p:cNvPr id="2" name="Flecha: a la derecha 1">
-            <a:extLst>
-              <a:ext uri="{FF2B5EF4-FFF2-40B4-BE49-F238E27FC236}">
-                <a16:creationId xmlns:a16="http://schemas.microsoft.com/office/drawing/2014/main" id="{C876DC40-8AAB-49D9-9819-036DCEB9BE4B}"/>
-              </a:ext>
-            </a:extLst>
-          </p:cNvPr>
-          <p:cNvSpPr/>
-          <p:nvPr/>
-        </p:nvSpPr>
-        <p:spPr>
-          <a:xfrm>
-            <a:off x="3650566" y="3872123"/>
-            <a:ext cx="3376246" cy="365760"/>
-          </a:xfrm>
-          <a:prstGeom prst="rightArrow">
-            <a:avLst/>
-          </a:prstGeom>
-          <a:solidFill>
-            <a:srgbClr val="FFC000"/>
-          </a:solidFill>
-          <a:ln>
-            <a:solidFill>
-              <a:schemeClr val="bg1"/>
-            </a:solidFill>
-          </a:ln>
-        </p:spPr>
-        <p:style>
-          <a:lnRef idx="2">
-            <a:schemeClr val="accent1">
-              <a:shade val="50000"/>
-            </a:schemeClr>
-          </a:lnRef>
-          <a:fillRef idx="1">
-            <a:schemeClr val="accent1"/>
-          </a:fillRef>
-          <a:effectRef idx="0">
-            <a:schemeClr val="accent1"/>
-          </a:effectRef>
-          <a:fontRef idx="minor">
-            <a:schemeClr val="lt1"/>
-          </a:fontRef>
-        </p:style>
-        <p:txBody>
-          <a:bodyPr rtlCol="0" anchor="ctr"/>
-          <a:lstStyle/>
-          <a:p>
-            <a:pPr algn="ctr"/>
-            <a:endParaRPr lang="es-ES"/>
-          </a:p>
-        </p:txBody>
-      </p:sp>
-      <p:sp>
-        <p:nvSpPr>
-          <p:cNvPr id="4" name="Flecha: hacia la izquierda 3">
-            <a:extLst>
-              <a:ext uri="{FF2B5EF4-FFF2-40B4-BE49-F238E27FC236}">
-                <a16:creationId xmlns:a16="http://schemas.microsoft.com/office/drawing/2014/main" id="{5F3BA598-FB1A-4DD1-B5A8-D5DFA2642425}"/>
-              </a:ext>
-            </a:extLst>
-          </p:cNvPr>
-          <p:cNvSpPr/>
-          <p:nvPr/>
-        </p:nvSpPr>
-        <p:spPr>
-          <a:xfrm>
-            <a:off x="3574732" y="2931411"/>
-            <a:ext cx="3376246" cy="365760"/>
-          </a:xfrm>
-          <a:prstGeom prst="leftArrow">
-            <a:avLst/>
-          </a:prstGeom>
-          <a:solidFill>
-            <a:srgbClr val="00B050"/>
-          </a:solidFill>
-          <a:ln>
-            <a:solidFill>
-              <a:schemeClr val="bg1"/>
-            </a:solidFill>
-          </a:ln>
-        </p:spPr>
-        <p:style>
-          <a:lnRef idx="2">
-            <a:schemeClr val="accent1">
-              <a:shade val="50000"/>
-            </a:schemeClr>
-          </a:lnRef>
-          <a:fillRef idx="1">
-            <a:schemeClr val="accent1"/>
-          </a:fillRef>
-          <a:effectRef idx="0">
-            <a:schemeClr val="accent1"/>
-          </a:effectRef>
-          <a:fontRef idx="minor">
-            <a:schemeClr val="lt1"/>
-          </a:fontRef>
-        </p:style>
-        <p:txBody>
-          <a:bodyPr rtlCol="0" anchor="ctr"/>
-          <a:lstStyle/>
-          <a:p>
-            <a:pPr algn="ctr"/>
-            <a:endParaRPr lang="es-ES"/>
-          </a:p>
-        </p:txBody>
-      </p:sp>
-      <p:pic>
-        <p:nvPicPr>
-          <p:cNvPr id="7" name="Gráfico 6" descr="Sobre">
-            <a:extLst>
-              <a:ext uri="{FF2B5EF4-FFF2-40B4-BE49-F238E27FC236}">
-                <a16:creationId xmlns:a16="http://schemas.microsoft.com/office/drawing/2014/main" id="{6CC8807E-4160-44CE-97C7-341CAB213E3A}"/>
-              </a:ext>
-            </a:extLst>
-          </p:cNvPr>
-          <p:cNvPicPr>
-            <a:picLocks noChangeAspect="1"/>
-          </p:cNvPicPr>
-          <p:nvPr/>
-        </p:nvPicPr>
-        <p:blipFill>
-          <a:blip r:embed="rId5">
-            <a:extLst>
-              <a:ext uri="{28A0092B-C50C-407E-A947-70E740481C1C}">
-                <a14:useLocalDpi xmlns:a14="http://schemas.microsoft.com/office/drawing/2010/main" val="0"/>
-              </a:ext>
-              <a:ext uri="{96DAC541-7B7A-43D3-8B79-37D633B846F1}">
-                <asvg:svgBlip xmlns:asvg="http://schemas.microsoft.com/office/drawing/2016/SVG/main" r:embed="rId6"/>
-              </a:ext>
-            </a:extLst>
-          </a:blip>
-          <a:stretch>
-            <a:fillRect/>
-          </a:stretch>
-        </p:blipFill>
-        <p:spPr>
-          <a:xfrm>
-            <a:off x="4514628" y="2254783"/>
-            <a:ext cx="1315329" cy="785571"/>
-          </a:xfrm>
-          <a:prstGeom prst="rect">
-            <a:avLst/>
-          </a:prstGeom>
-        </p:spPr>
-      </p:pic>
-      <p:pic>
-        <p:nvPicPr>
-          <p:cNvPr id="8" name="Gráfico 7" descr="Sobre">
-            <a:extLst>
-              <a:ext uri="{FF2B5EF4-FFF2-40B4-BE49-F238E27FC236}">
-                <a16:creationId xmlns:a16="http://schemas.microsoft.com/office/drawing/2014/main" id="{29EC5C15-C56C-4FD3-9253-1D4D0D58F91E}"/>
-              </a:ext>
-            </a:extLst>
-          </p:cNvPr>
-          <p:cNvPicPr>
-            <a:picLocks noChangeAspect="1"/>
-          </p:cNvPicPr>
-          <p:nvPr/>
-        </p:nvPicPr>
-        <p:blipFill>
-          <a:blip r:embed="rId5">
-            <a:extLst>
-              <a:ext uri="{28A0092B-C50C-407E-A947-70E740481C1C}">
-                <a14:useLocalDpi xmlns:a14="http://schemas.microsoft.com/office/drawing/2010/main" val="0"/>
-              </a:ext>
-              <a:ext uri="{96DAC541-7B7A-43D3-8B79-37D633B846F1}">
-                <asvg:svgBlip xmlns:asvg="http://schemas.microsoft.com/office/drawing/2016/SVG/main" r:embed="rId6"/>
-              </a:ext>
-            </a:extLst>
-          </a:blip>
-          <a:stretch>
-            <a:fillRect/>
-          </a:stretch>
-        </p:blipFill>
-        <p:spPr>
-          <a:xfrm>
-            <a:off x="4514629" y="4279442"/>
-            <a:ext cx="1315329" cy="785571"/>
-          </a:xfrm>
-          <a:prstGeom prst="rect">
-            <a:avLst/>
-          </a:prstGeom>
-        </p:spPr>
-      </p:pic>
-      <p:sp>
-        <p:nvSpPr>
-          <p:cNvPr id="6" name="Rectángulo 5">
-            <a:extLst>
-              <a:ext uri="{FF2B5EF4-FFF2-40B4-BE49-F238E27FC236}">
-                <a16:creationId xmlns:a16="http://schemas.microsoft.com/office/drawing/2014/main" id="{46C9687F-4753-41DC-AA83-E2FAF2E4A2FF}"/>
-              </a:ext>
-            </a:extLst>
-          </p:cNvPr>
-          <p:cNvSpPr/>
-          <p:nvPr/>
-        </p:nvSpPr>
-        <p:spPr>
-          <a:xfrm>
-            <a:off x="3046660" y="188632"/>
-            <a:ext cx="5360763" cy="923330"/>
-          </a:xfrm>
-          <a:prstGeom prst="rect">
-            <a:avLst/>
-          </a:prstGeom>
-          <a:scene3d>
-            <a:camera prst="orthographicFront"/>
-            <a:lightRig rig="threePt" dir="t"/>
-          </a:scene3d>
-          <a:sp3d>
-            <a:bevelT prst="angle"/>
-          </a:sp3d>
-        </p:spPr>
-        <p:txBody>
-          <a:bodyPr wrap="none">
-            <a:spAutoFit/>
-            <a:sp3d extrusionH="57150">
-              <a:bevelT w="38100" h="38100" prst="angle"/>
-            </a:sp3d>
-          </a:bodyPr>
-          <a:lstStyle/>
-          <a:p>
-            <a:r>
-              <a:rPr lang="es-ES" sz="5400" b="1" dirty="0"/>
-              <a:t>FASE 3 (Caso 0)</a:t>
-            </a:r>
-          </a:p>
-        </p:txBody>
-      </p:sp>
-      <p:sp>
-        <p:nvSpPr>
-          <p:cNvPr id="9" name="CuadroTexto 8">
-            <a:extLst>
-              <a:ext uri="{FF2B5EF4-FFF2-40B4-BE49-F238E27FC236}">
-                <a16:creationId xmlns:a16="http://schemas.microsoft.com/office/drawing/2014/main" id="{DD017762-05EB-4992-AEC0-E590D8C39633}"/>
-              </a:ext>
-            </a:extLst>
-          </p:cNvPr>
-          <p:cNvSpPr txBox="1"/>
-          <p:nvPr/>
-        </p:nvSpPr>
-        <p:spPr>
-          <a:xfrm>
-            <a:off x="4079630" y="5180638"/>
-            <a:ext cx="2518117" cy="369332"/>
-          </a:xfrm>
-          <a:prstGeom prst="rect">
-            <a:avLst/>
-          </a:prstGeom>
-          <a:noFill/>
-        </p:spPr>
-        <p:txBody>
-          <a:bodyPr wrap="square" rtlCol="0">
-            <a:spAutoFit/>
-          </a:bodyPr>
-          <a:lstStyle/>
-          <a:p>
-            <a:r>
-              <a:rPr lang="es-ES" dirty="0"/>
-              <a:t>Pulsar botón ‘OPEN’</a:t>
-            </a:r>
-          </a:p>
-        </p:txBody>
-      </p:sp>
-      <p:sp>
-        <p:nvSpPr>
-          <p:cNvPr id="10" name="Rectángulo 9">
-            <a:extLst>
-              <a:ext uri="{FF2B5EF4-FFF2-40B4-BE49-F238E27FC236}">
-                <a16:creationId xmlns:a16="http://schemas.microsoft.com/office/drawing/2014/main" id="{470B4496-29A1-4B2F-9BA9-79828F106C8B}"/>
-              </a:ext>
-            </a:extLst>
-          </p:cNvPr>
-          <p:cNvSpPr/>
-          <p:nvPr/>
-        </p:nvSpPr>
-        <p:spPr>
-          <a:xfrm>
-            <a:off x="4766091" y="1862028"/>
-            <a:ext cx="1468972" cy="369332"/>
-          </a:xfrm>
-          <a:prstGeom prst="rect">
-            <a:avLst/>
-          </a:prstGeom>
-        </p:spPr>
-        <p:txBody>
-          <a:bodyPr wrap="square">
-            <a:spAutoFit/>
-          </a:bodyPr>
-          <a:lstStyle/>
-          <a:p>
-            <a:r>
-              <a:rPr lang="es-ES" dirty="0"/>
-              <a:t>OK </a:t>
-            </a:r>
-          </a:p>
-        </p:txBody>
-      </p:sp>
-      <p:sp>
-        <p:nvSpPr>
-          <p:cNvPr id="11" name="CuadroTexto 10">
-            <a:extLst>
-              <a:ext uri="{FF2B5EF4-FFF2-40B4-BE49-F238E27FC236}">
-                <a16:creationId xmlns:a16="http://schemas.microsoft.com/office/drawing/2014/main" id="{AB37C544-30F9-421F-9EC0-AF2B1712ED10}"/>
-              </a:ext>
-            </a:extLst>
-          </p:cNvPr>
-          <p:cNvSpPr txBox="1"/>
-          <p:nvPr/>
-        </p:nvSpPr>
-        <p:spPr>
-          <a:xfrm>
-            <a:off x="703386" y="1492696"/>
-            <a:ext cx="3671666" cy="369332"/>
-          </a:xfrm>
-          <a:prstGeom prst="rect">
-            <a:avLst/>
-          </a:prstGeom>
-          <a:noFill/>
-        </p:spPr>
-        <p:txBody>
-          <a:bodyPr wrap="square" rtlCol="0">
-            <a:spAutoFit/>
-          </a:bodyPr>
-          <a:lstStyle/>
-          <a:p>
-            <a:pPr marL="285750" indent="-285750">
-              <a:buFont typeface="Wingdings" panose="05000000000000000000" pitchFamily="2" charset="2"/>
-              <a:buChar char="ü"/>
-            </a:pPr>
-            <a:r>
-              <a:rPr lang="es-ES" b="1" dirty="0">
-                <a:solidFill>
-                  <a:schemeClr val="accent4"/>
-                </a:solidFill>
-                <a:effectLst>
-                  <a:outerShdw blurRad="38100" dist="38100" dir="2700000" algn="tl">
-                    <a:srgbClr val="000000">
-                      <a:alpha val="43137"/>
-                    </a:srgbClr>
-                  </a:outerShdw>
-                </a:effectLst>
-              </a:rPr>
-              <a:t>Identificación completada</a:t>
-            </a:r>
-          </a:p>
-        </p:txBody>
-      </p:sp>
-    </p:spTree>
-    <p:extLst>
-      <p:ext uri="{BB962C8B-B14F-4D97-AF65-F5344CB8AC3E}">
-        <p14:creationId xmlns:p14="http://schemas.microsoft.com/office/powerpoint/2010/main" val="207271597"/>
-      </p:ext>
-    </p:extLst>
-  </p:cSld>
-  <p:clrMapOvr>
-    <a:masterClrMapping/>
-  </p:clrMapOvr>
-  <p:timing>
-    <p:tnLst>
-      <p:par>
-        <p:cTn id="1" dur="indefinite" restart="never" nodeType="tmRoot">
-          <p:childTnLst>
-            <p:seq concurrent="1" nextAc="seek">
-              <p:cTn id="2" dur="indefinite" nodeType="mainSeq">
-                <p:childTnLst>
-                  <p:par>
-                    <p:cTn id="3" fill="hold">
-                      <p:stCondLst>
-                        <p:cond delay="indefinite"/>
-                      </p:stCondLst>
-                      <p:childTnLst>
-                        <p:par>
-                          <p:cTn id="4" fill="hold">
-                            <p:stCondLst>
-                              <p:cond delay="0"/>
-                            </p:stCondLst>
-                            <p:childTnLst>
-                              <p:par>
-                                <p:cTn id="5" presetID="22" presetClass="entr" presetSubtype="4" fill="hold" grpId="0" nodeType="clickEffect">
-                                  <p:stCondLst>
-                                    <p:cond delay="0"/>
-                                  </p:stCondLst>
-                                  <p:childTnLst>
-                                    <p:set>
-                                      <p:cBhvr>
-                                        <p:cTn id="6" dur="1" fill="hold">
-                                          <p:stCondLst>
-                                            <p:cond delay="0"/>
-                                          </p:stCondLst>
-                                        </p:cTn>
-                                        <p:tgtEl>
-                                          <p:spTgt spid="2"/>
-                                        </p:tgtEl>
-                                        <p:attrNameLst>
-                                          <p:attrName>style.visibility</p:attrName>
-                                        </p:attrNameLst>
-                                      </p:cBhvr>
-                                      <p:to>
-                                        <p:strVal val="visible"/>
-                                      </p:to>
-                                    </p:set>
-                                    <p:animEffect transition="in" filter="wipe(down)">
-                                      <p:cBhvr>
-                                        <p:cTn id="7" dur="500"/>
-                                        <p:tgtEl>
-                                          <p:spTgt spid="2"/>
-                                        </p:tgtEl>
-                                      </p:cBhvr>
-                                    </p:animEffect>
-                                  </p:childTnLst>
-                                </p:cTn>
-                              </p:par>
-                            </p:childTnLst>
-                          </p:cTn>
-                        </p:par>
-                      </p:childTnLst>
-                    </p:cTn>
-                  </p:par>
-                  <p:par>
-                    <p:cTn id="8" fill="hold">
-                      <p:stCondLst>
-                        <p:cond delay="indefinite"/>
-                      </p:stCondLst>
-                      <p:childTnLst>
-                        <p:par>
-                          <p:cTn id="9" fill="hold">
-                            <p:stCondLst>
-                              <p:cond delay="0"/>
-                            </p:stCondLst>
-                            <p:childTnLst>
-                              <p:par>
-                                <p:cTn id="10" presetID="16" presetClass="entr" presetSubtype="21" fill="hold" nodeType="clickEffect">
-                                  <p:stCondLst>
-                                    <p:cond delay="0"/>
-                                  </p:stCondLst>
-                                  <p:childTnLst>
-                                    <p:set>
-                                      <p:cBhvr>
-                                        <p:cTn id="11" dur="1" fill="hold">
-                                          <p:stCondLst>
-                                            <p:cond delay="0"/>
-                                          </p:stCondLst>
-                                        </p:cTn>
-                                        <p:tgtEl>
-                                          <p:spTgt spid="8"/>
-                                        </p:tgtEl>
-                                        <p:attrNameLst>
-                                          <p:attrName>style.visibility</p:attrName>
-                                        </p:attrNameLst>
-                                      </p:cBhvr>
-                                      <p:to>
-                                        <p:strVal val="visible"/>
-                                      </p:to>
-                                    </p:set>
-                                    <p:animEffect transition="in" filter="barn(inVertical)">
-                                      <p:cBhvr>
-                                        <p:cTn id="12" dur="500"/>
-                                        <p:tgtEl>
-                                          <p:spTgt spid="8"/>
-                                        </p:tgtEl>
-                                      </p:cBhvr>
-                                    </p:animEffect>
-                                  </p:childTnLst>
-                                </p:cTn>
-                              </p:par>
-                            </p:childTnLst>
-                          </p:cTn>
-                        </p:par>
-                      </p:childTnLst>
-                    </p:cTn>
-                  </p:par>
-                  <p:par>
-                    <p:cTn id="13" fill="hold">
-                      <p:stCondLst>
-                        <p:cond delay="indefinite"/>
-                      </p:stCondLst>
-                      <p:childTnLst>
-                        <p:par>
-                          <p:cTn id="14" fill="hold">
-                            <p:stCondLst>
-                              <p:cond delay="0"/>
-                            </p:stCondLst>
-                            <p:childTnLst>
-                              <p:par>
-                                <p:cTn id="15" presetID="42" presetClass="entr" presetSubtype="0" fill="hold" grpId="0" nodeType="clickEffect">
-                                  <p:stCondLst>
-                                    <p:cond delay="0"/>
-                                  </p:stCondLst>
-                                  <p:childTnLst>
-                                    <p:set>
-                                      <p:cBhvr>
-                                        <p:cTn id="16" dur="1" fill="hold">
-                                          <p:stCondLst>
-                                            <p:cond delay="0"/>
-                                          </p:stCondLst>
-                                        </p:cTn>
-                                        <p:tgtEl>
-                                          <p:spTgt spid="9"/>
-                                        </p:tgtEl>
-                                        <p:attrNameLst>
-                                          <p:attrName>style.visibility</p:attrName>
-                                        </p:attrNameLst>
-                                      </p:cBhvr>
-                                      <p:to>
-                                        <p:strVal val="visible"/>
-                                      </p:to>
-                                    </p:set>
-                                    <p:animEffect transition="in" filter="fade">
-                                      <p:cBhvr>
-                                        <p:cTn id="17" dur="1000"/>
-                                        <p:tgtEl>
-                                          <p:spTgt spid="9"/>
-                                        </p:tgtEl>
-                                      </p:cBhvr>
-                                    </p:animEffect>
-                                    <p:anim calcmode="lin" valueType="num">
-                                      <p:cBhvr>
-                                        <p:cTn id="18" dur="1000" fill="hold"/>
-                                        <p:tgtEl>
-                                          <p:spTgt spid="9"/>
-                                        </p:tgtEl>
-                                        <p:attrNameLst>
-                                          <p:attrName>ppt_x</p:attrName>
-                                        </p:attrNameLst>
-                                      </p:cBhvr>
-                                      <p:tavLst>
-                                        <p:tav tm="0">
-                                          <p:val>
-                                            <p:strVal val="#ppt_x"/>
-                                          </p:val>
-                                        </p:tav>
-                                        <p:tav tm="100000">
-                                          <p:val>
-                                            <p:strVal val="#ppt_x"/>
-                                          </p:val>
-                                        </p:tav>
-                                      </p:tavLst>
-                                    </p:anim>
-                                    <p:anim calcmode="lin" valueType="num">
-                                      <p:cBhvr>
-                                        <p:cTn id="19" dur="1000" fill="hold"/>
-                                        <p:tgtEl>
-                                          <p:spTgt spid="9"/>
-                                        </p:tgtEl>
-                                        <p:attrNameLst>
-                                          <p:attrName>ppt_y</p:attrName>
-                                        </p:attrNameLst>
-                                      </p:cBhvr>
-                                      <p:tavLst>
-                                        <p:tav tm="0">
-                                          <p:val>
-                                            <p:strVal val="#ppt_y+.1"/>
-                                          </p:val>
-                                        </p:tav>
-                                        <p:tav tm="100000">
-                                          <p:val>
-                                            <p:strVal val="#ppt_y"/>
-                                          </p:val>
-                                        </p:tav>
-                                      </p:tavLst>
-                                    </p:anim>
-                                  </p:childTnLst>
-                                </p:cTn>
-                              </p:par>
-                            </p:childTnLst>
-                          </p:cTn>
-                        </p:par>
-                      </p:childTnLst>
-                    </p:cTn>
-                  </p:par>
-                  <p:par>
-                    <p:cTn id="20" fill="hold">
-                      <p:stCondLst>
-                        <p:cond delay="indefinite"/>
-                      </p:stCondLst>
-                      <p:childTnLst>
-                        <p:par>
-                          <p:cTn id="21" fill="hold">
-                            <p:stCondLst>
-                              <p:cond delay="0"/>
-                            </p:stCondLst>
-                            <p:childTnLst>
-                              <p:par>
-                                <p:cTn id="22" presetID="22" presetClass="entr" presetSubtype="4" fill="hold" grpId="0" nodeType="clickEffect">
-                                  <p:stCondLst>
-                                    <p:cond delay="0"/>
-                                  </p:stCondLst>
-                                  <p:childTnLst>
-                                    <p:set>
-                                      <p:cBhvr>
-                                        <p:cTn id="23" dur="1" fill="hold">
-                                          <p:stCondLst>
-                                            <p:cond delay="0"/>
-                                          </p:stCondLst>
-                                        </p:cTn>
-                                        <p:tgtEl>
-                                          <p:spTgt spid="4"/>
-                                        </p:tgtEl>
-                                        <p:attrNameLst>
-                                          <p:attrName>style.visibility</p:attrName>
-                                        </p:attrNameLst>
-                                      </p:cBhvr>
-                                      <p:to>
-                                        <p:strVal val="visible"/>
-                                      </p:to>
-                                    </p:set>
-                                    <p:animEffect transition="in" filter="wipe(down)">
-                                      <p:cBhvr>
-                                        <p:cTn id="24" dur="500"/>
-                                        <p:tgtEl>
-                                          <p:spTgt spid="4"/>
-                                        </p:tgtEl>
-                                      </p:cBhvr>
-                                    </p:animEffect>
-                                  </p:childTnLst>
-                                </p:cTn>
-                              </p:par>
-                            </p:childTnLst>
-                          </p:cTn>
-                        </p:par>
-                      </p:childTnLst>
-                    </p:cTn>
-                  </p:par>
-                  <p:par>
-                    <p:cTn id="25" fill="hold">
-                      <p:stCondLst>
-                        <p:cond delay="indefinite"/>
-                      </p:stCondLst>
-                      <p:childTnLst>
-                        <p:par>
-                          <p:cTn id="26" fill="hold">
-                            <p:stCondLst>
-                              <p:cond delay="0"/>
-                            </p:stCondLst>
-                            <p:childTnLst>
-                              <p:par>
-                                <p:cTn id="27" presetID="16" presetClass="entr" presetSubtype="21" fill="hold" nodeType="clickEffect">
-                                  <p:stCondLst>
-                                    <p:cond delay="0"/>
-                                  </p:stCondLst>
-                                  <p:childTnLst>
-                                    <p:set>
-                                      <p:cBhvr>
-                                        <p:cTn id="28" dur="1" fill="hold">
-                                          <p:stCondLst>
-                                            <p:cond delay="0"/>
-                                          </p:stCondLst>
-                                        </p:cTn>
-                                        <p:tgtEl>
-                                          <p:spTgt spid="7"/>
-                                        </p:tgtEl>
-                                        <p:attrNameLst>
-                                          <p:attrName>style.visibility</p:attrName>
-                                        </p:attrNameLst>
-                                      </p:cBhvr>
-                                      <p:to>
-                                        <p:strVal val="visible"/>
-                                      </p:to>
-                                    </p:set>
-                                    <p:animEffect transition="in" filter="barn(inVertical)">
-                                      <p:cBhvr>
-                                        <p:cTn id="29" dur="500"/>
-                                        <p:tgtEl>
-                                          <p:spTgt spid="7"/>
-                                        </p:tgtEl>
-                                      </p:cBhvr>
-                                    </p:animEffect>
-                                  </p:childTnLst>
-                                </p:cTn>
-                              </p:par>
-                            </p:childTnLst>
-                          </p:cTn>
-                        </p:par>
-                      </p:childTnLst>
-                    </p:cTn>
-                  </p:par>
-                  <p:par>
-                    <p:cTn id="30" fill="hold">
-                      <p:stCondLst>
-                        <p:cond delay="indefinite"/>
-                      </p:stCondLst>
-                      <p:childTnLst>
-                        <p:par>
-                          <p:cTn id="31" fill="hold">
-                            <p:stCondLst>
-                              <p:cond delay="0"/>
-                            </p:stCondLst>
-                            <p:childTnLst>
-                              <p:par>
-                                <p:cTn id="32" presetID="42" presetClass="entr" presetSubtype="0" fill="hold" grpId="0" nodeType="clickEffect">
-                                  <p:stCondLst>
-                                    <p:cond delay="0"/>
-                                  </p:stCondLst>
-                                  <p:childTnLst>
-                                    <p:set>
-                                      <p:cBhvr>
-                                        <p:cTn id="33" dur="1" fill="hold">
-                                          <p:stCondLst>
-                                            <p:cond delay="0"/>
-                                          </p:stCondLst>
-                                        </p:cTn>
-                                        <p:tgtEl>
-                                          <p:spTgt spid="10"/>
-                                        </p:tgtEl>
-                                        <p:attrNameLst>
-                                          <p:attrName>style.visibility</p:attrName>
-                                        </p:attrNameLst>
-                                      </p:cBhvr>
-                                      <p:to>
-                                        <p:strVal val="visible"/>
-                                      </p:to>
-                                    </p:set>
-                                    <p:animEffect transition="in" filter="fade">
-                                      <p:cBhvr>
-                                        <p:cTn id="34" dur="1000"/>
-                                        <p:tgtEl>
-                                          <p:spTgt spid="10"/>
-                                        </p:tgtEl>
-                                      </p:cBhvr>
-                                    </p:animEffect>
-                                    <p:anim calcmode="lin" valueType="num">
-                                      <p:cBhvr>
-                                        <p:cTn id="35" dur="1000" fill="hold"/>
-                                        <p:tgtEl>
-                                          <p:spTgt spid="10"/>
-                                        </p:tgtEl>
-                                        <p:attrNameLst>
-                                          <p:attrName>ppt_x</p:attrName>
-                                        </p:attrNameLst>
-                                      </p:cBhvr>
-                                      <p:tavLst>
-                                        <p:tav tm="0">
-                                          <p:val>
-                                            <p:strVal val="#ppt_x"/>
-                                          </p:val>
-                                        </p:tav>
-                                        <p:tav tm="100000">
-                                          <p:val>
-                                            <p:strVal val="#ppt_x"/>
-                                          </p:val>
-                                        </p:tav>
-                                      </p:tavLst>
-                                    </p:anim>
-                                    <p:anim calcmode="lin" valueType="num">
-                                      <p:cBhvr>
-                                        <p:cTn id="36" dur="1000" fill="hold"/>
-                                        <p:tgtEl>
-                                          <p:spTgt spid="10"/>
-                                        </p:tgtEl>
-                                        <p:attrNameLst>
-                                          <p:attrName>ppt_y</p:attrName>
-                                        </p:attrNameLst>
-                                      </p:cBhvr>
-                                      <p:tavLst>
-                                        <p:tav tm="0">
-                                          <p:val>
-                                            <p:strVal val="#ppt_y+.1"/>
-                                          </p:val>
-                                        </p:tav>
-                                        <p:tav tm="100000">
-                                          <p:val>
-                                            <p:strVal val="#ppt_y"/>
-                                          </p:val>
-                                        </p:tav>
-                                      </p:tavLst>
-                                    </p:anim>
-                                  </p:childTnLst>
-                                </p:cTn>
-                              </p:par>
-                            </p:childTnLst>
-                          </p:cTn>
-                        </p:par>
-                      </p:childTnLst>
-                    </p:cTn>
-                  </p:par>
-                </p:childTnLst>
-              </p:cTn>
-              <p:prevCondLst>
-                <p:cond evt="onPrev" delay="0">
-                  <p:tgtEl>
-                    <p:sldTgt/>
-                  </p:tgtEl>
-                </p:cond>
-              </p:prevCondLst>
-              <p:nextCondLst>
-                <p:cond evt="onNext" delay="0">
-                  <p:tgtEl>
-                    <p:sldTgt/>
-                  </p:tgtEl>
-                </p:cond>
-              </p:nextCondLst>
-            </p:seq>
-          </p:childTnLst>
-        </p:cTn>
-      </p:par>
-    </p:tnLst>
-    <p:bldLst>
-      <p:bldP spid="2" grpId="0" animBg="1"/>
-      <p:bldP spid="4" grpId="0" animBg="1"/>
-      <p:bldP spid="9" grpId="0"/>
-      <p:bldP spid="10" grpId="0"/>
-    </p:bldLst>
-  </p:timing>
-</p:sld>
-</file>
-
 <file path=ppt/slides/slide6.xml><?xml version="1.0" encoding="utf-8"?>
 <p:sld xmlns:a="http://schemas.openxmlformats.org/drawingml/2006/main" xmlns:r="http://schemas.openxmlformats.org/officeDocument/2006/relationships" xmlns:p="http://schemas.openxmlformats.org/presentationml/2006/main">
   <p:cSld>
@@ -13462,8 +13656,8 @@
         </p:blipFill>
         <p:spPr>
           <a:xfrm>
-            <a:off x="7405469" y="2512469"/>
-            <a:ext cx="3365623" cy="2398337"/>
+            <a:off x="7740271" y="2512470"/>
+            <a:ext cx="3030821" cy="2159758"/>
           </a:xfrm>
           <a:prstGeom prst="rect">
             <a:avLst/>
@@ -13498,7 +13692,7 @@
         <p:spPr>
           <a:xfrm>
             <a:off x="1811910" y="2656755"/>
-            <a:ext cx="1248647" cy="2254052"/>
+            <a:ext cx="1083213" cy="1955411"/>
           </a:xfrm>
           <a:prstGeom prst="rect">
             <a:avLst/>
@@ -13519,7 +13713,7 @@
         </p:nvSpPr>
         <p:spPr>
           <a:xfrm>
-            <a:off x="3587848" y="4246541"/>
+            <a:off x="3650566" y="3872123"/>
             <a:ext cx="3376246" cy="365760"/>
           </a:xfrm>
           <a:prstGeom prst="rightArrow">
@@ -13573,7 +13767,7 @@
         </p:nvSpPr>
         <p:spPr>
           <a:xfrm>
-            <a:off x="3586870" y="3121261"/>
+            <a:off x="3574732" y="2931411"/>
             <a:ext cx="3376246" cy="365760"/>
           </a:xfrm>
           <a:prstGeom prst="leftArrow">
@@ -13644,7 +13838,7 @@
         </p:blipFill>
         <p:spPr>
           <a:xfrm>
-            <a:off x="4499673" y="2361741"/>
+            <a:off x="4514628" y="2254783"/>
             <a:ext cx="1315329" cy="785571"/>
           </a:xfrm>
           <a:prstGeom prst="rect">
@@ -13683,7 +13877,7 @@
         </p:blipFill>
         <p:spPr>
           <a:xfrm>
-            <a:off x="4533368" y="4595686"/>
+            <a:off x="4514629" y="4279442"/>
             <a:ext cx="1315329" cy="785571"/>
           </a:xfrm>
           <a:prstGeom prst="rect">
@@ -13711,14 +13905,17 @@
           <a:prstGeom prst="rect">
             <a:avLst/>
           </a:prstGeom>
+          <a:scene3d>
+            <a:camera prst="orthographicFront"/>
+            <a:lightRig rig="threePt" dir="t"/>
+          </a:scene3d>
+          <a:sp3d>
+            <a:bevelT prst="angle"/>
+          </a:sp3d>
         </p:spPr>
         <p:txBody>
           <a:bodyPr wrap="none">
             <a:spAutoFit/>
-            <a:scene3d>
-              <a:camera prst="orthographicFront"/>
-              <a:lightRig rig="threePt" dir="t"/>
-            </a:scene3d>
             <a:sp3d extrusionH="57150">
               <a:bevelT w="38100" h="38100" prst="angle"/>
             </a:sp3d>
@@ -13727,7 +13924,7 @@
           <a:p>
             <a:r>
               <a:rPr lang="es-ES" sz="5400" b="1" dirty="0"/>
-              <a:t>FASE 3 (Caso 1)</a:t>
+              <a:t>FASE 3 (Caso 0)</a:t>
             </a:r>
           </a:p>
         </p:txBody>
@@ -13746,8 +13943,8 @@
         </p:nvSpPr>
         <p:spPr>
           <a:xfrm>
-            <a:off x="3784319" y="5472332"/>
-            <a:ext cx="2813429" cy="369332"/>
+            <a:off x="4079630" y="5180638"/>
+            <a:ext cx="2518117" cy="369332"/>
           </a:xfrm>
           <a:prstGeom prst="rect">
             <a:avLst/>
@@ -13762,7 +13959,7 @@
           <a:p>
             <a:r>
               <a:rPr lang="es-ES" b="1" dirty="0"/>
-              <a:t>Pulsar botón ‘NEW KEY’</a:t>
+              <a:t>Pulsar botón ‘OPEN’</a:t>
             </a:r>
           </a:p>
         </p:txBody>
@@ -13781,8 +13978,8 @@
         </p:nvSpPr>
         <p:spPr>
           <a:xfrm>
-            <a:off x="4192759" y="1901864"/>
-            <a:ext cx="2526785" cy="400110"/>
+            <a:off x="4766091" y="1862028"/>
+            <a:ext cx="1468972" cy="369332"/>
           </a:xfrm>
           <a:prstGeom prst="rect">
             <a:avLst/>
@@ -13795,43 +13992,36 @@
           <a:lstStyle/>
           <a:p>
             <a:r>
-              <a:rPr lang="es-ES" sz="2000" b="1" dirty="0"/>
-              <a:t>K(‘</a:t>
-            </a:r>
-            <a:r>
-              <a:rPr lang="es-ES" sz="2000" b="1" dirty="0" err="1"/>
-              <a:t>numerocifrado</a:t>
-            </a:r>
-            <a:r>
-              <a:rPr lang="es-ES" sz="2000" b="1" dirty="0"/>
-              <a:t>’) </a:t>
-            </a:r>
-          </a:p>
-        </p:txBody>
-      </p:sp>
-      <p:sp>
-        <p:nvSpPr>
-          <p:cNvPr id="11" name="Rectángulo 10">
+              <a:rPr lang="es-ES" b="1" dirty="0"/>
+              <a:t>OK </a:t>
+            </a:r>
+          </a:p>
+        </p:txBody>
+      </p:sp>
+      <p:sp>
+        <p:nvSpPr>
+          <p:cNvPr id="11" name="CuadroTexto 10">
             <a:extLst>
               <a:ext uri="{FF2B5EF4-FFF2-40B4-BE49-F238E27FC236}">
-                <a16:creationId xmlns:a16="http://schemas.microsoft.com/office/drawing/2014/main" id="{C181328E-0131-45F2-8D42-7D4B1798A3BC}"/>
+                <a16:creationId xmlns:a16="http://schemas.microsoft.com/office/drawing/2014/main" id="{AB37C544-30F9-421F-9EC0-AF2B1712ED10}"/>
               </a:ext>
             </a:extLst>
           </p:cNvPr>
-          <p:cNvSpPr/>
+          <p:cNvSpPr txBox="1"/>
           <p:nvPr/>
         </p:nvSpPr>
         <p:spPr>
           <a:xfrm>
-            <a:off x="876989" y="1577862"/>
-            <a:ext cx="3499676" cy="369332"/>
+            <a:off x="703386" y="1492696"/>
+            <a:ext cx="3671666" cy="369332"/>
           </a:xfrm>
           <a:prstGeom prst="rect">
             <a:avLst/>
           </a:prstGeom>
-        </p:spPr>
-        <p:txBody>
-          <a:bodyPr wrap="none">
+          <a:noFill/>
+        </p:spPr>
+        <p:txBody>
+          <a:bodyPr wrap="square" rtlCol="0">
             <a:spAutoFit/>
           </a:bodyPr>
           <a:lstStyle/>
@@ -13845,6 +14035,13 @@
                 <a:solidFill>
                   <a:schemeClr val="accent4"/>
                 </a:solidFill>
+                <a:effectLst>
+                  <a:outerShdw blurRad="38100" dist="38100" dir="2700000" algn="tl">
+                    <a:srgbClr val="000000">
+                      <a:alpha val="43137"/>
+                    </a:srgbClr>
+                  </a:outerShdw>
+                </a:effectLst>
               </a:rPr>
               <a:t>Identificación completada</a:t>
             </a:r>
@@ -13854,7 +14051,7 @@
     </p:spTree>
     <p:extLst>
       <p:ext uri="{BB962C8B-B14F-4D97-AF65-F5344CB8AC3E}">
-        <p14:creationId xmlns:p14="http://schemas.microsoft.com/office/powerpoint/2010/main" val="260877345"/>
+        <p14:creationId xmlns:p14="http://schemas.microsoft.com/office/powerpoint/2010/main" val="207271597"/>
       </p:ext>
     </p:extLst>
   </p:cSld>
@@ -14355,6 +14552,1200 @@
         </p:blipFill>
         <p:spPr>
           <a:xfrm>
+            <a:off x="7196547" y="2512469"/>
+            <a:ext cx="3574546" cy="2547215"/>
+          </a:xfrm>
+          <a:prstGeom prst="rect">
+            <a:avLst/>
+          </a:prstGeom>
+        </p:spPr>
+      </p:pic>
+      <p:pic>
+        <p:nvPicPr>
+          <p:cNvPr id="5" name="Imagen 4">
+            <a:extLst>
+              <a:ext uri="{FF2B5EF4-FFF2-40B4-BE49-F238E27FC236}">
+                <a16:creationId xmlns:a16="http://schemas.microsoft.com/office/drawing/2014/main" id="{E771B778-E301-4E02-8202-114D9E17E0C1}"/>
+              </a:ext>
+            </a:extLst>
+          </p:cNvPr>
+          <p:cNvPicPr>
+            <a:picLocks noChangeAspect="1"/>
+          </p:cNvPicPr>
+          <p:nvPr/>
+        </p:nvPicPr>
+        <p:blipFill rotWithShape="1">
+          <a:blip r:embed="rId4">
+            <a:extLst>
+              <a:ext uri="{28A0092B-C50C-407E-A947-70E740481C1C}">
+                <a14:useLocalDpi xmlns:a14="http://schemas.microsoft.com/office/drawing/2010/main" val="0"/>
+              </a:ext>
+            </a:extLst>
+          </a:blip>
+          <a:srcRect l="25494" t="3828" r="23962" b="4932"/>
+          <a:stretch/>
+        </p:blipFill>
+        <p:spPr>
+          <a:xfrm>
+            <a:off x="1607318" y="2656754"/>
+            <a:ext cx="1453240" cy="2623383"/>
+          </a:xfrm>
+          <a:prstGeom prst="rect">
+            <a:avLst/>
+          </a:prstGeom>
+        </p:spPr>
+      </p:pic>
+      <p:sp>
+        <p:nvSpPr>
+          <p:cNvPr id="2" name="Flecha: a la derecha 1">
+            <a:extLst>
+              <a:ext uri="{FF2B5EF4-FFF2-40B4-BE49-F238E27FC236}">
+                <a16:creationId xmlns:a16="http://schemas.microsoft.com/office/drawing/2014/main" id="{C876DC40-8AAB-49D9-9819-036DCEB9BE4B}"/>
+              </a:ext>
+            </a:extLst>
+          </p:cNvPr>
+          <p:cNvSpPr/>
+          <p:nvPr/>
+        </p:nvSpPr>
+        <p:spPr>
+          <a:xfrm>
+            <a:off x="3600991" y="3851103"/>
+            <a:ext cx="3376246" cy="365760"/>
+          </a:xfrm>
+          <a:prstGeom prst="rightArrow">
+            <a:avLst/>
+          </a:prstGeom>
+          <a:solidFill>
+            <a:srgbClr val="FFC000"/>
+          </a:solidFill>
+          <a:ln>
+            <a:solidFill>
+              <a:schemeClr val="bg1"/>
+            </a:solidFill>
+          </a:ln>
+        </p:spPr>
+        <p:style>
+          <a:lnRef idx="2">
+            <a:schemeClr val="accent1">
+              <a:shade val="50000"/>
+            </a:schemeClr>
+          </a:lnRef>
+          <a:fillRef idx="1">
+            <a:schemeClr val="accent1"/>
+          </a:fillRef>
+          <a:effectRef idx="0">
+            <a:schemeClr val="accent1"/>
+          </a:effectRef>
+          <a:fontRef idx="minor">
+            <a:schemeClr val="lt1"/>
+          </a:fontRef>
+        </p:style>
+        <p:txBody>
+          <a:bodyPr rtlCol="0" anchor="ctr"/>
+          <a:lstStyle/>
+          <a:p>
+            <a:pPr algn="ctr"/>
+            <a:endParaRPr lang="es-ES"/>
+          </a:p>
+        </p:txBody>
+      </p:sp>
+      <p:sp>
+        <p:nvSpPr>
+          <p:cNvPr id="4" name="Flecha: hacia la izquierda 3">
+            <a:extLst>
+              <a:ext uri="{FF2B5EF4-FFF2-40B4-BE49-F238E27FC236}">
+                <a16:creationId xmlns:a16="http://schemas.microsoft.com/office/drawing/2014/main" id="{5F3BA598-FB1A-4DD1-B5A8-D5DFA2642425}"/>
+              </a:ext>
+            </a:extLst>
+          </p:cNvPr>
+          <p:cNvSpPr/>
+          <p:nvPr/>
+        </p:nvSpPr>
+        <p:spPr>
+          <a:xfrm>
+            <a:off x="3605975" y="2545322"/>
+            <a:ext cx="3376246" cy="365760"/>
+          </a:xfrm>
+          <a:prstGeom prst="leftArrow">
+            <a:avLst/>
+          </a:prstGeom>
+          <a:solidFill>
+            <a:srgbClr val="00B050"/>
+          </a:solidFill>
+          <a:ln>
+            <a:solidFill>
+              <a:schemeClr val="bg1"/>
+            </a:solidFill>
+          </a:ln>
+        </p:spPr>
+        <p:style>
+          <a:lnRef idx="2">
+            <a:schemeClr val="accent1">
+              <a:shade val="50000"/>
+            </a:schemeClr>
+          </a:lnRef>
+          <a:fillRef idx="1">
+            <a:schemeClr val="accent1"/>
+          </a:fillRef>
+          <a:effectRef idx="0">
+            <a:schemeClr val="accent1"/>
+          </a:effectRef>
+          <a:fontRef idx="minor">
+            <a:schemeClr val="lt1"/>
+          </a:fontRef>
+        </p:style>
+        <p:txBody>
+          <a:bodyPr rtlCol="0" anchor="ctr"/>
+          <a:lstStyle/>
+          <a:p>
+            <a:pPr algn="ctr"/>
+            <a:endParaRPr lang="es-ES"/>
+          </a:p>
+        </p:txBody>
+      </p:sp>
+      <p:pic>
+        <p:nvPicPr>
+          <p:cNvPr id="7" name="Gráfico 6" descr="Sobre">
+            <a:extLst>
+              <a:ext uri="{FF2B5EF4-FFF2-40B4-BE49-F238E27FC236}">
+                <a16:creationId xmlns:a16="http://schemas.microsoft.com/office/drawing/2014/main" id="{6CC8807E-4160-44CE-97C7-341CAB213E3A}"/>
+              </a:ext>
+            </a:extLst>
+          </p:cNvPr>
+          <p:cNvPicPr>
+            <a:picLocks noChangeAspect="1"/>
+          </p:cNvPicPr>
+          <p:nvPr/>
+        </p:nvPicPr>
+        <p:blipFill>
+          <a:blip r:embed="rId5">
+            <a:extLst>
+              <a:ext uri="{28A0092B-C50C-407E-A947-70E740481C1C}">
+                <a14:useLocalDpi xmlns:a14="http://schemas.microsoft.com/office/drawing/2010/main" val="0"/>
+              </a:ext>
+              <a:ext uri="{96DAC541-7B7A-43D3-8B79-37D633B846F1}">
+                <asvg:svgBlip xmlns:asvg="http://schemas.microsoft.com/office/drawing/2016/SVG/main" r:embed="rId6"/>
+              </a:ext>
+            </a:extLst>
+          </a:blip>
+          <a:stretch>
+            <a:fillRect/>
+          </a:stretch>
+        </p:blipFill>
+        <p:spPr>
+          <a:xfrm>
+            <a:off x="4376327" y="1597309"/>
+            <a:ext cx="1315329" cy="785571"/>
+          </a:xfrm>
+          <a:prstGeom prst="rect">
+            <a:avLst/>
+          </a:prstGeom>
+        </p:spPr>
+      </p:pic>
+      <p:pic>
+        <p:nvPicPr>
+          <p:cNvPr id="8" name="Gráfico 7" descr="Sobre">
+            <a:extLst>
+              <a:ext uri="{FF2B5EF4-FFF2-40B4-BE49-F238E27FC236}">
+                <a16:creationId xmlns:a16="http://schemas.microsoft.com/office/drawing/2014/main" id="{29EC5C15-C56C-4FD3-9253-1D4D0D58F91E}"/>
+              </a:ext>
+            </a:extLst>
+          </p:cNvPr>
+          <p:cNvPicPr>
+            <a:picLocks noChangeAspect="1"/>
+          </p:cNvPicPr>
+          <p:nvPr/>
+        </p:nvPicPr>
+        <p:blipFill>
+          <a:blip r:embed="rId5">
+            <a:extLst>
+              <a:ext uri="{28A0092B-C50C-407E-A947-70E740481C1C}">
+                <a14:useLocalDpi xmlns:a14="http://schemas.microsoft.com/office/drawing/2010/main" val="0"/>
+              </a:ext>
+              <a:ext uri="{96DAC541-7B7A-43D3-8B79-37D633B846F1}">
+                <asvg:svgBlip xmlns:asvg="http://schemas.microsoft.com/office/drawing/2016/SVG/main" r:embed="rId6"/>
+              </a:ext>
+            </a:extLst>
+          </a:blip>
+          <a:stretch>
+            <a:fillRect/>
+          </a:stretch>
+        </p:blipFill>
+        <p:spPr>
+          <a:xfrm>
+            <a:off x="4436331" y="2894793"/>
+            <a:ext cx="1315329" cy="785571"/>
+          </a:xfrm>
+          <a:prstGeom prst="rect">
+            <a:avLst/>
+          </a:prstGeom>
+        </p:spPr>
+      </p:pic>
+      <p:sp>
+        <p:nvSpPr>
+          <p:cNvPr id="6" name="Rectángulo 5">
+            <a:extLst>
+              <a:ext uri="{FF2B5EF4-FFF2-40B4-BE49-F238E27FC236}">
+                <a16:creationId xmlns:a16="http://schemas.microsoft.com/office/drawing/2014/main" id="{46C9687F-4753-41DC-AA83-E2FAF2E4A2FF}"/>
+              </a:ext>
+            </a:extLst>
+          </p:cNvPr>
+          <p:cNvSpPr/>
+          <p:nvPr/>
+        </p:nvSpPr>
+        <p:spPr>
+          <a:xfrm>
+            <a:off x="106513" y="342297"/>
+            <a:ext cx="11992386" cy="923330"/>
+          </a:xfrm>
+          <a:prstGeom prst="rect">
+            <a:avLst/>
+          </a:prstGeom>
+        </p:spPr>
+        <p:txBody>
+          <a:bodyPr wrap="none">
+            <a:spAutoFit/>
+            <a:scene3d>
+              <a:camera prst="orthographicFront"/>
+              <a:lightRig rig="threePt" dir="t"/>
+            </a:scene3d>
+            <a:sp3d extrusionH="57150">
+              <a:bevelT w="38100" h="38100" prst="angle"/>
+            </a:sp3d>
+          </a:bodyPr>
+          <a:lstStyle/>
+          <a:p>
+            <a:r>
+              <a:rPr lang="es-ES" sz="5400" b="1" dirty="0"/>
+              <a:t>Generación de nueva clave sesión</a:t>
+            </a:r>
+          </a:p>
+        </p:txBody>
+      </p:sp>
+      <p:sp>
+        <p:nvSpPr>
+          <p:cNvPr id="9" name="CuadroTexto 8">
+            <a:extLst>
+              <a:ext uri="{FF2B5EF4-FFF2-40B4-BE49-F238E27FC236}">
+                <a16:creationId xmlns:a16="http://schemas.microsoft.com/office/drawing/2014/main" id="{DD017762-05EB-4992-AEC0-E590D8C39633}"/>
+              </a:ext>
+            </a:extLst>
+          </p:cNvPr>
+          <p:cNvSpPr txBox="1"/>
+          <p:nvPr/>
+        </p:nvSpPr>
+        <p:spPr>
+          <a:xfrm>
+            <a:off x="4140458" y="3555362"/>
+            <a:ext cx="2813429" cy="369332"/>
+          </a:xfrm>
+          <a:prstGeom prst="rect">
+            <a:avLst/>
+          </a:prstGeom>
+          <a:noFill/>
+        </p:spPr>
+        <p:txBody>
+          <a:bodyPr wrap="square" rtlCol="0">
+            <a:spAutoFit/>
+          </a:bodyPr>
+          <a:lstStyle/>
+          <a:p>
+            <a:r>
+              <a:rPr lang="es-ES" b="1" dirty="0" err="1"/>
+              <a:t>newK</a:t>
+            </a:r>
+            <a:r>
+              <a:rPr lang="es-ES" b="1" dirty="0"/>
+              <a:t>(</a:t>
+            </a:r>
+            <a:r>
+              <a:rPr lang="es-ES" u="sng" dirty="0"/>
+              <a:t>‘</a:t>
+            </a:r>
+            <a:r>
+              <a:rPr lang="es-ES" u="sng" dirty="0" err="1"/>
+              <a:t>Nº</a:t>
+            </a:r>
+            <a:r>
+              <a:rPr lang="es-ES" u="sng" dirty="0"/>
+              <a:t> </a:t>
+            </a:r>
+            <a:r>
+              <a:rPr lang="es-ES" u="sng" dirty="0" err="1"/>
+              <a:t>Sesion</a:t>
+            </a:r>
+            <a:r>
+              <a:rPr lang="es-ES" u="sng" dirty="0"/>
+              <a:t>’</a:t>
+            </a:r>
+            <a:r>
+              <a:rPr lang="es-ES" b="1" dirty="0"/>
+              <a:t>)</a:t>
+            </a:r>
+          </a:p>
+        </p:txBody>
+      </p:sp>
+      <p:sp>
+        <p:nvSpPr>
+          <p:cNvPr id="10" name="Rectángulo 9">
+            <a:extLst>
+              <a:ext uri="{FF2B5EF4-FFF2-40B4-BE49-F238E27FC236}">
+                <a16:creationId xmlns:a16="http://schemas.microsoft.com/office/drawing/2014/main" id="{470B4496-29A1-4B2F-9BA9-79828F106C8B}"/>
+              </a:ext>
+            </a:extLst>
+          </p:cNvPr>
+          <p:cNvSpPr/>
+          <p:nvPr/>
+        </p:nvSpPr>
+        <p:spPr>
+          <a:xfrm>
+            <a:off x="4436331" y="2215231"/>
+            <a:ext cx="2526785" cy="400110"/>
+          </a:xfrm>
+          <a:prstGeom prst="rect">
+            <a:avLst/>
+          </a:prstGeom>
+        </p:spPr>
+        <p:txBody>
+          <a:bodyPr wrap="square">
+            <a:spAutoFit/>
+          </a:bodyPr>
+          <a:lstStyle/>
+          <a:p>
+            <a:r>
+              <a:rPr lang="es-ES" sz="2000" b="1" dirty="0"/>
+              <a:t>K(‘</a:t>
+            </a:r>
+            <a:r>
+              <a:rPr lang="es-ES" sz="2000" dirty="0" err="1"/>
+              <a:t>newK</a:t>
+            </a:r>
+            <a:r>
+              <a:rPr lang="es-ES" sz="2000" b="1" dirty="0"/>
+              <a:t>’) </a:t>
+            </a:r>
+          </a:p>
+        </p:txBody>
+      </p:sp>
+      <p:sp>
+        <p:nvSpPr>
+          <p:cNvPr id="11" name="Rectángulo 10">
+            <a:extLst>
+              <a:ext uri="{FF2B5EF4-FFF2-40B4-BE49-F238E27FC236}">
+                <a16:creationId xmlns:a16="http://schemas.microsoft.com/office/drawing/2014/main" id="{C181328E-0131-45F2-8D42-7D4B1798A3BC}"/>
+              </a:ext>
+            </a:extLst>
+          </p:cNvPr>
+          <p:cNvSpPr/>
+          <p:nvPr/>
+        </p:nvSpPr>
+        <p:spPr>
+          <a:xfrm>
+            <a:off x="876989" y="1577862"/>
+            <a:ext cx="3499676" cy="369332"/>
+          </a:xfrm>
+          <a:prstGeom prst="rect">
+            <a:avLst/>
+          </a:prstGeom>
+        </p:spPr>
+        <p:txBody>
+          <a:bodyPr wrap="none">
+            <a:spAutoFit/>
+          </a:bodyPr>
+          <a:lstStyle/>
+          <a:p>
+            <a:pPr marL="285750" indent="-285750">
+              <a:buFont typeface="Wingdings" panose="05000000000000000000" pitchFamily="2" charset="2"/>
+              <a:buChar char="ü"/>
+            </a:pPr>
+            <a:r>
+              <a:rPr lang="es-ES" b="1" dirty="0">
+                <a:solidFill>
+                  <a:schemeClr val="accent4"/>
+                </a:solidFill>
+              </a:rPr>
+              <a:t>Identificación completada</a:t>
+            </a:r>
+          </a:p>
+        </p:txBody>
+      </p:sp>
+      <p:sp>
+        <p:nvSpPr>
+          <p:cNvPr id="12" name="Flecha: hacia la izquierda 11">
+            <a:extLst>
+              <a:ext uri="{FF2B5EF4-FFF2-40B4-BE49-F238E27FC236}">
+                <a16:creationId xmlns:a16="http://schemas.microsoft.com/office/drawing/2014/main" id="{60942AFB-4C17-4652-9010-81BE74B2686B}"/>
+              </a:ext>
+            </a:extLst>
+          </p:cNvPr>
+          <p:cNvSpPr/>
+          <p:nvPr/>
+        </p:nvSpPr>
+        <p:spPr>
+          <a:xfrm>
+            <a:off x="3633231" y="5006159"/>
+            <a:ext cx="3376246" cy="365760"/>
+          </a:xfrm>
+          <a:prstGeom prst="leftArrow">
+            <a:avLst/>
+          </a:prstGeom>
+          <a:solidFill>
+            <a:srgbClr val="00B050"/>
+          </a:solidFill>
+          <a:ln>
+            <a:solidFill>
+              <a:schemeClr val="bg1"/>
+            </a:solidFill>
+          </a:ln>
+        </p:spPr>
+        <p:style>
+          <a:lnRef idx="2">
+            <a:schemeClr val="accent1">
+              <a:shade val="50000"/>
+            </a:schemeClr>
+          </a:lnRef>
+          <a:fillRef idx="1">
+            <a:schemeClr val="accent1"/>
+          </a:fillRef>
+          <a:effectRef idx="0">
+            <a:schemeClr val="accent1"/>
+          </a:effectRef>
+          <a:fontRef idx="minor">
+            <a:schemeClr val="lt1"/>
+          </a:fontRef>
+        </p:style>
+        <p:txBody>
+          <a:bodyPr rtlCol="0" anchor="ctr"/>
+          <a:lstStyle/>
+          <a:p>
+            <a:pPr algn="ctr"/>
+            <a:endParaRPr lang="es-ES"/>
+          </a:p>
+        </p:txBody>
+      </p:sp>
+      <p:sp>
+        <p:nvSpPr>
+          <p:cNvPr id="14" name="CuadroTexto 13">
+            <a:extLst>
+              <a:ext uri="{FF2B5EF4-FFF2-40B4-BE49-F238E27FC236}">
+                <a16:creationId xmlns:a16="http://schemas.microsoft.com/office/drawing/2014/main" id="{CBB89368-92EC-4AEE-92DE-7E5916B988DC}"/>
+              </a:ext>
+            </a:extLst>
+          </p:cNvPr>
+          <p:cNvSpPr txBox="1"/>
+          <p:nvPr/>
+        </p:nvSpPr>
+        <p:spPr>
+          <a:xfrm>
+            <a:off x="4849315" y="4745983"/>
+            <a:ext cx="713348" cy="369332"/>
+          </a:xfrm>
+          <a:prstGeom prst="rect">
+            <a:avLst/>
+          </a:prstGeom>
+          <a:noFill/>
+        </p:spPr>
+        <p:txBody>
+          <a:bodyPr wrap="square" rtlCol="0">
+            <a:spAutoFit/>
+          </a:bodyPr>
+          <a:lstStyle/>
+          <a:p>
+            <a:r>
+              <a:rPr lang="es-ES" b="1" dirty="0"/>
+              <a:t>OK</a:t>
+            </a:r>
+          </a:p>
+        </p:txBody>
+      </p:sp>
+      <p:pic>
+        <p:nvPicPr>
+          <p:cNvPr id="15" name="Imagen 14">
+            <a:extLst>
+              <a:ext uri="{FF2B5EF4-FFF2-40B4-BE49-F238E27FC236}">
+                <a16:creationId xmlns:a16="http://schemas.microsoft.com/office/drawing/2014/main" id="{722FA3D1-4869-4883-8306-EC14AC4705DA}"/>
+              </a:ext>
+            </a:extLst>
+          </p:cNvPr>
+          <p:cNvPicPr>
+            <a:picLocks noChangeAspect="1"/>
+          </p:cNvPicPr>
+          <p:nvPr/>
+        </p:nvPicPr>
+        <p:blipFill>
+          <a:blip r:embed="rId7"/>
+          <a:stretch>
+            <a:fillRect/>
+          </a:stretch>
+        </p:blipFill>
+        <p:spPr>
+          <a:xfrm>
+            <a:off x="4547564" y="4192944"/>
+            <a:ext cx="1316850" cy="786452"/>
+          </a:xfrm>
+          <a:prstGeom prst="rect">
+            <a:avLst/>
+          </a:prstGeom>
+        </p:spPr>
+      </p:pic>
+    </p:spTree>
+    <p:extLst>
+      <p:ext uri="{BB962C8B-B14F-4D97-AF65-F5344CB8AC3E}">
+        <p14:creationId xmlns:p14="http://schemas.microsoft.com/office/powerpoint/2010/main" val="260877345"/>
+      </p:ext>
+    </p:extLst>
+  </p:cSld>
+  <p:clrMapOvr>
+    <a:masterClrMapping/>
+  </p:clrMapOvr>
+  <p:timing>
+    <p:tnLst>
+      <p:par>
+        <p:cTn id="1" dur="indefinite" restart="never" nodeType="tmRoot">
+          <p:childTnLst>
+            <p:seq concurrent="1" nextAc="seek">
+              <p:cTn id="2" dur="indefinite" nodeType="mainSeq">
+                <p:childTnLst>
+                  <p:par>
+                    <p:cTn id="3" fill="hold">
+                      <p:stCondLst>
+                        <p:cond delay="indefinite"/>
+                      </p:stCondLst>
+                      <p:childTnLst>
+                        <p:par>
+                          <p:cTn id="4" fill="hold">
+                            <p:stCondLst>
+                              <p:cond delay="0"/>
+                            </p:stCondLst>
+                            <p:childTnLst>
+                              <p:par>
+                                <p:cTn id="5" presetID="22" presetClass="entr" presetSubtype="4" fill="hold" grpId="0" nodeType="clickEffect">
+                                  <p:stCondLst>
+                                    <p:cond delay="0"/>
+                                  </p:stCondLst>
+                                  <p:childTnLst>
+                                    <p:set>
+                                      <p:cBhvr>
+                                        <p:cTn id="6" dur="1" fill="hold">
+                                          <p:stCondLst>
+                                            <p:cond delay="0"/>
+                                          </p:stCondLst>
+                                        </p:cTn>
+                                        <p:tgtEl>
+                                          <p:spTgt spid="2"/>
+                                        </p:tgtEl>
+                                        <p:attrNameLst>
+                                          <p:attrName>style.visibility</p:attrName>
+                                        </p:attrNameLst>
+                                      </p:cBhvr>
+                                      <p:to>
+                                        <p:strVal val="visible"/>
+                                      </p:to>
+                                    </p:set>
+                                    <p:animEffect transition="in" filter="wipe(down)">
+                                      <p:cBhvr>
+                                        <p:cTn id="7" dur="500"/>
+                                        <p:tgtEl>
+                                          <p:spTgt spid="2"/>
+                                        </p:tgtEl>
+                                      </p:cBhvr>
+                                    </p:animEffect>
+                                  </p:childTnLst>
+                                </p:cTn>
+                              </p:par>
+                            </p:childTnLst>
+                          </p:cTn>
+                        </p:par>
+                      </p:childTnLst>
+                    </p:cTn>
+                  </p:par>
+                  <p:par>
+                    <p:cTn id="8" fill="hold">
+                      <p:stCondLst>
+                        <p:cond delay="indefinite"/>
+                      </p:stCondLst>
+                      <p:childTnLst>
+                        <p:par>
+                          <p:cTn id="9" fill="hold">
+                            <p:stCondLst>
+                              <p:cond delay="0"/>
+                            </p:stCondLst>
+                            <p:childTnLst>
+                              <p:par>
+                                <p:cTn id="10" presetID="16" presetClass="entr" presetSubtype="21" fill="hold" nodeType="clickEffect">
+                                  <p:stCondLst>
+                                    <p:cond delay="0"/>
+                                  </p:stCondLst>
+                                  <p:childTnLst>
+                                    <p:set>
+                                      <p:cBhvr>
+                                        <p:cTn id="11" dur="1" fill="hold">
+                                          <p:stCondLst>
+                                            <p:cond delay="0"/>
+                                          </p:stCondLst>
+                                        </p:cTn>
+                                        <p:tgtEl>
+                                          <p:spTgt spid="8"/>
+                                        </p:tgtEl>
+                                        <p:attrNameLst>
+                                          <p:attrName>style.visibility</p:attrName>
+                                        </p:attrNameLst>
+                                      </p:cBhvr>
+                                      <p:to>
+                                        <p:strVal val="visible"/>
+                                      </p:to>
+                                    </p:set>
+                                    <p:animEffect transition="in" filter="barn(inVertical)">
+                                      <p:cBhvr>
+                                        <p:cTn id="12" dur="500"/>
+                                        <p:tgtEl>
+                                          <p:spTgt spid="8"/>
+                                        </p:tgtEl>
+                                      </p:cBhvr>
+                                    </p:animEffect>
+                                  </p:childTnLst>
+                                </p:cTn>
+                              </p:par>
+                            </p:childTnLst>
+                          </p:cTn>
+                        </p:par>
+                      </p:childTnLst>
+                    </p:cTn>
+                  </p:par>
+                  <p:par>
+                    <p:cTn id="13" fill="hold">
+                      <p:stCondLst>
+                        <p:cond delay="indefinite"/>
+                      </p:stCondLst>
+                      <p:childTnLst>
+                        <p:par>
+                          <p:cTn id="14" fill="hold">
+                            <p:stCondLst>
+                              <p:cond delay="0"/>
+                            </p:stCondLst>
+                            <p:childTnLst>
+                              <p:par>
+                                <p:cTn id="15" presetID="42" presetClass="entr" presetSubtype="0" fill="hold" grpId="0" nodeType="clickEffect">
+                                  <p:stCondLst>
+                                    <p:cond delay="0"/>
+                                  </p:stCondLst>
+                                  <p:childTnLst>
+                                    <p:set>
+                                      <p:cBhvr>
+                                        <p:cTn id="16" dur="1" fill="hold">
+                                          <p:stCondLst>
+                                            <p:cond delay="0"/>
+                                          </p:stCondLst>
+                                        </p:cTn>
+                                        <p:tgtEl>
+                                          <p:spTgt spid="9"/>
+                                        </p:tgtEl>
+                                        <p:attrNameLst>
+                                          <p:attrName>style.visibility</p:attrName>
+                                        </p:attrNameLst>
+                                      </p:cBhvr>
+                                      <p:to>
+                                        <p:strVal val="visible"/>
+                                      </p:to>
+                                    </p:set>
+                                    <p:animEffect transition="in" filter="fade">
+                                      <p:cBhvr>
+                                        <p:cTn id="17" dur="1000"/>
+                                        <p:tgtEl>
+                                          <p:spTgt spid="9"/>
+                                        </p:tgtEl>
+                                      </p:cBhvr>
+                                    </p:animEffect>
+                                    <p:anim calcmode="lin" valueType="num">
+                                      <p:cBhvr>
+                                        <p:cTn id="18" dur="1000" fill="hold"/>
+                                        <p:tgtEl>
+                                          <p:spTgt spid="9"/>
+                                        </p:tgtEl>
+                                        <p:attrNameLst>
+                                          <p:attrName>ppt_x</p:attrName>
+                                        </p:attrNameLst>
+                                      </p:cBhvr>
+                                      <p:tavLst>
+                                        <p:tav tm="0">
+                                          <p:val>
+                                            <p:strVal val="#ppt_x"/>
+                                          </p:val>
+                                        </p:tav>
+                                        <p:tav tm="100000">
+                                          <p:val>
+                                            <p:strVal val="#ppt_x"/>
+                                          </p:val>
+                                        </p:tav>
+                                      </p:tavLst>
+                                    </p:anim>
+                                    <p:anim calcmode="lin" valueType="num">
+                                      <p:cBhvr>
+                                        <p:cTn id="19" dur="1000" fill="hold"/>
+                                        <p:tgtEl>
+                                          <p:spTgt spid="9"/>
+                                        </p:tgtEl>
+                                        <p:attrNameLst>
+                                          <p:attrName>ppt_y</p:attrName>
+                                        </p:attrNameLst>
+                                      </p:cBhvr>
+                                      <p:tavLst>
+                                        <p:tav tm="0">
+                                          <p:val>
+                                            <p:strVal val="#ppt_y+.1"/>
+                                          </p:val>
+                                        </p:tav>
+                                        <p:tav tm="100000">
+                                          <p:val>
+                                            <p:strVal val="#ppt_y"/>
+                                          </p:val>
+                                        </p:tav>
+                                      </p:tavLst>
+                                    </p:anim>
+                                  </p:childTnLst>
+                                </p:cTn>
+                              </p:par>
+                            </p:childTnLst>
+                          </p:cTn>
+                        </p:par>
+                      </p:childTnLst>
+                    </p:cTn>
+                  </p:par>
+                  <p:par>
+                    <p:cTn id="20" fill="hold">
+                      <p:stCondLst>
+                        <p:cond delay="indefinite"/>
+                      </p:stCondLst>
+                      <p:childTnLst>
+                        <p:par>
+                          <p:cTn id="21" fill="hold">
+                            <p:stCondLst>
+                              <p:cond delay="0"/>
+                            </p:stCondLst>
+                            <p:childTnLst>
+                              <p:par>
+                                <p:cTn id="22" presetID="22" presetClass="entr" presetSubtype="4" fill="hold" grpId="0" nodeType="clickEffect">
+                                  <p:stCondLst>
+                                    <p:cond delay="0"/>
+                                  </p:stCondLst>
+                                  <p:childTnLst>
+                                    <p:set>
+                                      <p:cBhvr>
+                                        <p:cTn id="23" dur="1" fill="hold">
+                                          <p:stCondLst>
+                                            <p:cond delay="0"/>
+                                          </p:stCondLst>
+                                        </p:cTn>
+                                        <p:tgtEl>
+                                          <p:spTgt spid="4"/>
+                                        </p:tgtEl>
+                                        <p:attrNameLst>
+                                          <p:attrName>style.visibility</p:attrName>
+                                        </p:attrNameLst>
+                                      </p:cBhvr>
+                                      <p:to>
+                                        <p:strVal val="visible"/>
+                                      </p:to>
+                                    </p:set>
+                                    <p:animEffect transition="in" filter="wipe(down)">
+                                      <p:cBhvr>
+                                        <p:cTn id="24" dur="500"/>
+                                        <p:tgtEl>
+                                          <p:spTgt spid="4"/>
+                                        </p:tgtEl>
+                                      </p:cBhvr>
+                                    </p:animEffect>
+                                  </p:childTnLst>
+                                </p:cTn>
+                              </p:par>
+                            </p:childTnLst>
+                          </p:cTn>
+                        </p:par>
+                      </p:childTnLst>
+                    </p:cTn>
+                  </p:par>
+                  <p:par>
+                    <p:cTn id="25" fill="hold">
+                      <p:stCondLst>
+                        <p:cond delay="indefinite"/>
+                      </p:stCondLst>
+                      <p:childTnLst>
+                        <p:par>
+                          <p:cTn id="26" fill="hold">
+                            <p:stCondLst>
+                              <p:cond delay="0"/>
+                            </p:stCondLst>
+                            <p:childTnLst>
+                              <p:par>
+                                <p:cTn id="27" presetID="16" presetClass="entr" presetSubtype="21" fill="hold" nodeType="clickEffect">
+                                  <p:stCondLst>
+                                    <p:cond delay="0"/>
+                                  </p:stCondLst>
+                                  <p:childTnLst>
+                                    <p:set>
+                                      <p:cBhvr>
+                                        <p:cTn id="28" dur="1" fill="hold">
+                                          <p:stCondLst>
+                                            <p:cond delay="0"/>
+                                          </p:stCondLst>
+                                        </p:cTn>
+                                        <p:tgtEl>
+                                          <p:spTgt spid="7"/>
+                                        </p:tgtEl>
+                                        <p:attrNameLst>
+                                          <p:attrName>style.visibility</p:attrName>
+                                        </p:attrNameLst>
+                                      </p:cBhvr>
+                                      <p:to>
+                                        <p:strVal val="visible"/>
+                                      </p:to>
+                                    </p:set>
+                                    <p:animEffect transition="in" filter="barn(inVertical)">
+                                      <p:cBhvr>
+                                        <p:cTn id="29" dur="500"/>
+                                        <p:tgtEl>
+                                          <p:spTgt spid="7"/>
+                                        </p:tgtEl>
+                                      </p:cBhvr>
+                                    </p:animEffect>
+                                  </p:childTnLst>
+                                </p:cTn>
+                              </p:par>
+                            </p:childTnLst>
+                          </p:cTn>
+                        </p:par>
+                      </p:childTnLst>
+                    </p:cTn>
+                  </p:par>
+                  <p:par>
+                    <p:cTn id="30" fill="hold">
+                      <p:stCondLst>
+                        <p:cond delay="indefinite"/>
+                      </p:stCondLst>
+                      <p:childTnLst>
+                        <p:par>
+                          <p:cTn id="31" fill="hold">
+                            <p:stCondLst>
+                              <p:cond delay="0"/>
+                            </p:stCondLst>
+                            <p:childTnLst>
+                              <p:par>
+                                <p:cTn id="32" presetID="42" presetClass="entr" presetSubtype="0" fill="hold" grpId="0" nodeType="clickEffect">
+                                  <p:stCondLst>
+                                    <p:cond delay="0"/>
+                                  </p:stCondLst>
+                                  <p:childTnLst>
+                                    <p:set>
+                                      <p:cBhvr>
+                                        <p:cTn id="33" dur="1" fill="hold">
+                                          <p:stCondLst>
+                                            <p:cond delay="0"/>
+                                          </p:stCondLst>
+                                        </p:cTn>
+                                        <p:tgtEl>
+                                          <p:spTgt spid="10"/>
+                                        </p:tgtEl>
+                                        <p:attrNameLst>
+                                          <p:attrName>style.visibility</p:attrName>
+                                        </p:attrNameLst>
+                                      </p:cBhvr>
+                                      <p:to>
+                                        <p:strVal val="visible"/>
+                                      </p:to>
+                                    </p:set>
+                                    <p:animEffect transition="in" filter="fade">
+                                      <p:cBhvr>
+                                        <p:cTn id="34" dur="1000"/>
+                                        <p:tgtEl>
+                                          <p:spTgt spid="10"/>
+                                        </p:tgtEl>
+                                      </p:cBhvr>
+                                    </p:animEffect>
+                                    <p:anim calcmode="lin" valueType="num">
+                                      <p:cBhvr>
+                                        <p:cTn id="35" dur="1000" fill="hold"/>
+                                        <p:tgtEl>
+                                          <p:spTgt spid="10"/>
+                                        </p:tgtEl>
+                                        <p:attrNameLst>
+                                          <p:attrName>ppt_x</p:attrName>
+                                        </p:attrNameLst>
+                                      </p:cBhvr>
+                                      <p:tavLst>
+                                        <p:tav tm="0">
+                                          <p:val>
+                                            <p:strVal val="#ppt_x"/>
+                                          </p:val>
+                                        </p:tav>
+                                        <p:tav tm="100000">
+                                          <p:val>
+                                            <p:strVal val="#ppt_x"/>
+                                          </p:val>
+                                        </p:tav>
+                                      </p:tavLst>
+                                    </p:anim>
+                                    <p:anim calcmode="lin" valueType="num">
+                                      <p:cBhvr>
+                                        <p:cTn id="36" dur="1000" fill="hold"/>
+                                        <p:tgtEl>
+                                          <p:spTgt spid="10"/>
+                                        </p:tgtEl>
+                                        <p:attrNameLst>
+                                          <p:attrName>ppt_y</p:attrName>
+                                        </p:attrNameLst>
+                                      </p:cBhvr>
+                                      <p:tavLst>
+                                        <p:tav tm="0">
+                                          <p:val>
+                                            <p:strVal val="#ppt_y+.1"/>
+                                          </p:val>
+                                        </p:tav>
+                                        <p:tav tm="100000">
+                                          <p:val>
+                                            <p:strVal val="#ppt_y"/>
+                                          </p:val>
+                                        </p:tav>
+                                      </p:tavLst>
+                                    </p:anim>
+                                  </p:childTnLst>
+                                </p:cTn>
+                              </p:par>
+                            </p:childTnLst>
+                          </p:cTn>
+                        </p:par>
+                      </p:childTnLst>
+                    </p:cTn>
+                  </p:par>
+                  <p:par>
+                    <p:cTn id="37" fill="hold">
+                      <p:stCondLst>
+                        <p:cond delay="indefinite"/>
+                      </p:stCondLst>
+                      <p:childTnLst>
+                        <p:par>
+                          <p:cTn id="38" fill="hold">
+                            <p:stCondLst>
+                              <p:cond delay="0"/>
+                            </p:stCondLst>
+                            <p:childTnLst>
+                              <p:par>
+                                <p:cTn id="39" presetID="22" presetClass="entr" presetSubtype="4" fill="hold" grpId="0" nodeType="clickEffect">
+                                  <p:stCondLst>
+                                    <p:cond delay="0"/>
+                                  </p:stCondLst>
+                                  <p:childTnLst>
+                                    <p:set>
+                                      <p:cBhvr>
+                                        <p:cTn id="40" dur="1" fill="hold">
+                                          <p:stCondLst>
+                                            <p:cond delay="0"/>
+                                          </p:stCondLst>
+                                        </p:cTn>
+                                        <p:tgtEl>
+                                          <p:spTgt spid="12"/>
+                                        </p:tgtEl>
+                                        <p:attrNameLst>
+                                          <p:attrName>style.visibility</p:attrName>
+                                        </p:attrNameLst>
+                                      </p:cBhvr>
+                                      <p:to>
+                                        <p:strVal val="visible"/>
+                                      </p:to>
+                                    </p:set>
+                                    <p:animEffect transition="in" filter="wipe(down)">
+                                      <p:cBhvr>
+                                        <p:cTn id="41" dur="500"/>
+                                        <p:tgtEl>
+                                          <p:spTgt spid="12"/>
+                                        </p:tgtEl>
+                                      </p:cBhvr>
+                                    </p:animEffect>
+                                  </p:childTnLst>
+                                </p:cTn>
+                              </p:par>
+                            </p:childTnLst>
+                          </p:cTn>
+                        </p:par>
+                      </p:childTnLst>
+                    </p:cTn>
+                  </p:par>
+                  <p:par>
+                    <p:cTn id="42" fill="hold">
+                      <p:stCondLst>
+                        <p:cond delay="indefinite"/>
+                      </p:stCondLst>
+                      <p:childTnLst>
+                        <p:par>
+                          <p:cTn id="43" fill="hold">
+                            <p:stCondLst>
+                              <p:cond delay="0"/>
+                            </p:stCondLst>
+                            <p:childTnLst>
+                              <p:par>
+                                <p:cTn id="44" presetID="42" presetClass="entr" presetSubtype="0" fill="hold" grpId="0" nodeType="clickEffect">
+                                  <p:stCondLst>
+                                    <p:cond delay="0"/>
+                                  </p:stCondLst>
+                                  <p:childTnLst>
+                                    <p:set>
+                                      <p:cBhvr>
+                                        <p:cTn id="45" dur="1" fill="hold">
+                                          <p:stCondLst>
+                                            <p:cond delay="0"/>
+                                          </p:stCondLst>
+                                        </p:cTn>
+                                        <p:tgtEl>
+                                          <p:spTgt spid="14"/>
+                                        </p:tgtEl>
+                                        <p:attrNameLst>
+                                          <p:attrName>style.visibility</p:attrName>
+                                        </p:attrNameLst>
+                                      </p:cBhvr>
+                                      <p:to>
+                                        <p:strVal val="visible"/>
+                                      </p:to>
+                                    </p:set>
+                                    <p:animEffect transition="in" filter="fade">
+                                      <p:cBhvr>
+                                        <p:cTn id="46" dur="1000"/>
+                                        <p:tgtEl>
+                                          <p:spTgt spid="14"/>
+                                        </p:tgtEl>
+                                      </p:cBhvr>
+                                    </p:animEffect>
+                                    <p:anim calcmode="lin" valueType="num">
+                                      <p:cBhvr>
+                                        <p:cTn id="47" dur="1000" fill="hold"/>
+                                        <p:tgtEl>
+                                          <p:spTgt spid="14"/>
+                                        </p:tgtEl>
+                                        <p:attrNameLst>
+                                          <p:attrName>ppt_x</p:attrName>
+                                        </p:attrNameLst>
+                                      </p:cBhvr>
+                                      <p:tavLst>
+                                        <p:tav tm="0">
+                                          <p:val>
+                                            <p:strVal val="#ppt_x"/>
+                                          </p:val>
+                                        </p:tav>
+                                        <p:tav tm="100000">
+                                          <p:val>
+                                            <p:strVal val="#ppt_x"/>
+                                          </p:val>
+                                        </p:tav>
+                                      </p:tavLst>
+                                    </p:anim>
+                                    <p:anim calcmode="lin" valueType="num">
+                                      <p:cBhvr>
+                                        <p:cTn id="48" dur="1000" fill="hold"/>
+                                        <p:tgtEl>
+                                          <p:spTgt spid="14"/>
+                                        </p:tgtEl>
+                                        <p:attrNameLst>
+                                          <p:attrName>ppt_y</p:attrName>
+                                        </p:attrNameLst>
+                                      </p:cBhvr>
+                                      <p:tavLst>
+                                        <p:tav tm="0">
+                                          <p:val>
+                                            <p:strVal val="#ppt_y+.1"/>
+                                          </p:val>
+                                        </p:tav>
+                                        <p:tav tm="100000">
+                                          <p:val>
+                                            <p:strVal val="#ppt_y"/>
+                                          </p:val>
+                                        </p:tav>
+                                      </p:tavLst>
+                                    </p:anim>
+                                  </p:childTnLst>
+                                </p:cTn>
+                              </p:par>
+                            </p:childTnLst>
+                          </p:cTn>
+                        </p:par>
+                      </p:childTnLst>
+                    </p:cTn>
+                  </p:par>
+                </p:childTnLst>
+              </p:cTn>
+              <p:prevCondLst>
+                <p:cond evt="onPrev" delay="0">
+                  <p:tgtEl>
+                    <p:sldTgt/>
+                  </p:tgtEl>
+                </p:cond>
+              </p:prevCondLst>
+              <p:nextCondLst>
+                <p:cond evt="onNext" delay="0">
+                  <p:tgtEl>
+                    <p:sldTgt/>
+                  </p:tgtEl>
+                </p:cond>
+              </p:nextCondLst>
+            </p:seq>
+          </p:childTnLst>
+        </p:cTn>
+      </p:par>
+    </p:tnLst>
+    <p:bldLst>
+      <p:bldP spid="2" grpId="0" animBg="1"/>
+      <p:bldP spid="4" grpId="0" animBg="1"/>
+      <p:bldP spid="9" grpId="0"/>
+      <p:bldP spid="10" grpId="0"/>
+      <p:bldP spid="12" grpId="0" animBg="1"/>
+      <p:bldP spid="14" grpId="0"/>
+    </p:bldLst>
+  </p:timing>
+</p:sld>
+</file>
+
+<file path=ppt/slides/slide8.xml><?xml version="1.0" encoding="utf-8"?>
+<p:sld xmlns:a="http://schemas.openxmlformats.org/drawingml/2006/main" xmlns:r="http://schemas.openxmlformats.org/officeDocument/2006/relationships" xmlns:p="http://schemas.openxmlformats.org/presentationml/2006/main">
+  <p:cSld>
+    <p:spTree>
+      <p:nvGrpSpPr>
+        <p:cNvPr id="1" name=""/>
+        <p:cNvGrpSpPr/>
+        <p:nvPr/>
+      </p:nvGrpSpPr>
+      <p:grpSpPr>
+        <a:xfrm>
+          <a:off x="0" y="0"/>
+          <a:ext cx="0" cy="0"/>
+          <a:chOff x="0" y="0"/>
+          <a:chExt cx="0" cy="0"/>
+        </a:xfrm>
+      </p:grpSpPr>
+      <p:pic>
+        <p:nvPicPr>
+          <p:cNvPr id="3" name="Imagen 2">
+            <a:extLst>
+              <a:ext uri="{FF2B5EF4-FFF2-40B4-BE49-F238E27FC236}">
+                <a16:creationId xmlns:a16="http://schemas.microsoft.com/office/drawing/2014/main" id="{EEA7E6E5-8604-4E35-9186-61E26F5EA23B}"/>
+              </a:ext>
+            </a:extLst>
+          </p:cNvPr>
+          <p:cNvPicPr>
+            <a:picLocks noChangeAspect="1"/>
+          </p:cNvPicPr>
+          <p:nvPr/>
+        </p:nvPicPr>
+        <p:blipFill>
+          <a:blip r:embed="rId3">
+            <a:extLst>
+              <a:ext uri="{28A0092B-C50C-407E-A947-70E740481C1C}">
+                <a14:useLocalDpi xmlns:a14="http://schemas.microsoft.com/office/drawing/2010/main" val="0"/>
+              </a:ext>
+            </a:extLst>
+          </a:blip>
+          <a:stretch>
+            <a:fillRect/>
+          </a:stretch>
+        </p:blipFill>
+        <p:spPr>
+          <a:xfrm>
             <a:off x="7405469" y="2512469"/>
             <a:ext cx="3365623" cy="2398337"/>
           </a:xfrm>
@@ -15195,7 +16586,7 @@
 </p:sld>
 </file>
 
-<file path=ppt/slides/slide8.xml><?xml version="1.0" encoding="utf-8"?>
+<file path=ppt/slides/slide9.xml><?xml version="1.0" encoding="utf-8"?>
 <p:sld xmlns:a="http://schemas.openxmlformats.org/drawingml/2006/main" xmlns:r="http://schemas.openxmlformats.org/officeDocument/2006/relationships" xmlns:p="http://schemas.openxmlformats.org/presentationml/2006/main">
   <p:cSld>
     <p:spTree>
@@ -16396,942 +17787,6 @@
 </p:sld>
 </file>
 
-<file path=ppt/slides/slide9.xml><?xml version="1.0" encoding="utf-8"?>
-<p:sld xmlns:a="http://schemas.openxmlformats.org/drawingml/2006/main" xmlns:r="http://schemas.openxmlformats.org/officeDocument/2006/relationships" xmlns:p="http://schemas.openxmlformats.org/presentationml/2006/main">
-  <p:cSld>
-    <p:spTree>
-      <p:nvGrpSpPr>
-        <p:cNvPr id="1" name=""/>
-        <p:cNvGrpSpPr/>
-        <p:nvPr/>
-      </p:nvGrpSpPr>
-      <p:grpSpPr>
-        <a:xfrm>
-          <a:off x="0" y="0"/>
-          <a:ext cx="0" cy="0"/>
-          <a:chOff x="0" y="0"/>
-          <a:chExt cx="0" cy="0"/>
-        </a:xfrm>
-      </p:grpSpPr>
-      <p:pic>
-        <p:nvPicPr>
-          <p:cNvPr id="3" name="Imagen 2">
-            <a:extLst>
-              <a:ext uri="{FF2B5EF4-FFF2-40B4-BE49-F238E27FC236}">
-                <a16:creationId xmlns:a16="http://schemas.microsoft.com/office/drawing/2014/main" id="{EEA7E6E5-8604-4E35-9186-61E26F5EA23B}"/>
-              </a:ext>
-            </a:extLst>
-          </p:cNvPr>
-          <p:cNvPicPr>
-            <a:picLocks noChangeAspect="1"/>
-          </p:cNvPicPr>
-          <p:nvPr/>
-        </p:nvPicPr>
-        <p:blipFill>
-          <a:blip r:embed="rId3">
-            <a:extLst>
-              <a:ext uri="{28A0092B-C50C-407E-A947-70E740481C1C}">
-                <a14:useLocalDpi xmlns:a14="http://schemas.microsoft.com/office/drawing/2010/main" val="0"/>
-              </a:ext>
-            </a:extLst>
-          </a:blip>
-          <a:stretch>
-            <a:fillRect/>
-          </a:stretch>
-        </p:blipFill>
-        <p:spPr>
-          <a:xfrm>
-            <a:off x="7616344" y="3179114"/>
-            <a:ext cx="3353627" cy="2389789"/>
-          </a:xfrm>
-          <a:prstGeom prst="rect">
-            <a:avLst/>
-          </a:prstGeom>
-        </p:spPr>
-      </p:pic>
-      <p:pic>
-        <p:nvPicPr>
-          <p:cNvPr id="5" name="Imagen 4">
-            <a:extLst>
-              <a:ext uri="{FF2B5EF4-FFF2-40B4-BE49-F238E27FC236}">
-                <a16:creationId xmlns:a16="http://schemas.microsoft.com/office/drawing/2014/main" id="{E771B778-E301-4E02-8202-114D9E17E0C1}"/>
-              </a:ext>
-            </a:extLst>
-          </p:cNvPr>
-          <p:cNvPicPr>
-            <a:picLocks noChangeAspect="1"/>
-          </p:cNvPicPr>
-          <p:nvPr/>
-        </p:nvPicPr>
-        <p:blipFill rotWithShape="1">
-          <a:blip r:embed="rId4">
-            <a:extLst>
-              <a:ext uri="{28A0092B-C50C-407E-A947-70E740481C1C}">
-                <a14:useLocalDpi xmlns:a14="http://schemas.microsoft.com/office/drawing/2010/main" val="0"/>
-              </a:ext>
-            </a:extLst>
-          </a:blip>
-          <a:srcRect l="25494" t="3828" r="23962" b="4932"/>
-          <a:stretch/>
-        </p:blipFill>
-        <p:spPr>
-          <a:xfrm>
-            <a:off x="2278067" y="3179115"/>
-            <a:ext cx="1428226" cy="2578228"/>
-          </a:xfrm>
-          <a:prstGeom prst="rect">
-            <a:avLst/>
-          </a:prstGeom>
-        </p:spPr>
-      </p:pic>
-      <p:sp>
-        <p:nvSpPr>
-          <p:cNvPr id="2" name="Flecha: a la derecha 1">
-            <a:extLst>
-              <a:ext uri="{FF2B5EF4-FFF2-40B4-BE49-F238E27FC236}">
-                <a16:creationId xmlns:a16="http://schemas.microsoft.com/office/drawing/2014/main" id="{C876DC40-8AAB-49D9-9819-036DCEB9BE4B}"/>
-              </a:ext>
-            </a:extLst>
-          </p:cNvPr>
-          <p:cNvSpPr/>
-          <p:nvPr/>
-        </p:nvSpPr>
-        <p:spPr>
-          <a:xfrm>
-            <a:off x="4038918" y="4439355"/>
-            <a:ext cx="3376246" cy="365760"/>
-          </a:xfrm>
-          <a:prstGeom prst="rightArrow">
-            <a:avLst/>
-          </a:prstGeom>
-          <a:solidFill>
-            <a:schemeClr val="accent2"/>
-          </a:solidFill>
-          <a:ln>
-            <a:solidFill>
-              <a:schemeClr val="bg1"/>
-            </a:solidFill>
-          </a:ln>
-        </p:spPr>
-        <p:style>
-          <a:lnRef idx="2">
-            <a:schemeClr val="accent1">
-              <a:shade val="50000"/>
-            </a:schemeClr>
-          </a:lnRef>
-          <a:fillRef idx="1">
-            <a:schemeClr val="accent1"/>
-          </a:fillRef>
-          <a:effectRef idx="0">
-            <a:schemeClr val="accent1"/>
-          </a:effectRef>
-          <a:fontRef idx="minor">
-            <a:schemeClr val="lt1"/>
-          </a:fontRef>
-        </p:style>
-        <p:txBody>
-          <a:bodyPr rtlCol="0" anchor="ctr"/>
-          <a:lstStyle/>
-          <a:p>
-            <a:pPr algn="ctr"/>
-            <a:endParaRPr lang="es-ES"/>
-          </a:p>
-        </p:txBody>
-      </p:sp>
-      <p:pic>
-        <p:nvPicPr>
-          <p:cNvPr id="7" name="Gráfico 6" descr="Sobre">
-            <a:extLst>
-              <a:ext uri="{FF2B5EF4-FFF2-40B4-BE49-F238E27FC236}">
-                <a16:creationId xmlns:a16="http://schemas.microsoft.com/office/drawing/2014/main" id="{6CC8807E-4160-44CE-97C7-341CAB213E3A}"/>
-              </a:ext>
-            </a:extLst>
-          </p:cNvPr>
-          <p:cNvPicPr>
-            <a:picLocks noChangeAspect="1"/>
-          </p:cNvPicPr>
-          <p:nvPr/>
-        </p:nvPicPr>
-        <p:blipFill>
-          <a:blip r:embed="rId5">
-            <a:extLst>
-              <a:ext uri="{28A0092B-C50C-407E-A947-70E740481C1C}">
-                <a14:useLocalDpi xmlns:a14="http://schemas.microsoft.com/office/drawing/2010/main" val="0"/>
-              </a:ext>
-              <a:ext uri="{96DAC541-7B7A-43D3-8B79-37D633B846F1}">
-                <asvg:svgBlip xmlns:asvg="http://schemas.microsoft.com/office/drawing/2016/SVG/main" r:embed="rId6"/>
-              </a:ext>
-            </a:extLst>
-          </a:blip>
-          <a:stretch>
-            <a:fillRect/>
-          </a:stretch>
-        </p:blipFill>
-        <p:spPr>
-          <a:xfrm>
-            <a:off x="4883421" y="2942609"/>
-            <a:ext cx="1315329" cy="785571"/>
-          </a:xfrm>
-          <a:prstGeom prst="rect">
-            <a:avLst/>
-          </a:prstGeom>
-        </p:spPr>
-      </p:pic>
-      <p:pic>
-        <p:nvPicPr>
-          <p:cNvPr id="8" name="Gráfico 7" descr="Sobre">
-            <a:extLst>
-              <a:ext uri="{FF2B5EF4-FFF2-40B4-BE49-F238E27FC236}">
-                <a16:creationId xmlns:a16="http://schemas.microsoft.com/office/drawing/2014/main" id="{29EC5C15-C56C-4FD3-9253-1D4D0D58F91E}"/>
-              </a:ext>
-            </a:extLst>
-          </p:cNvPr>
-          <p:cNvPicPr>
-            <a:picLocks noChangeAspect="1"/>
-          </p:cNvPicPr>
-          <p:nvPr/>
-        </p:nvPicPr>
-        <p:blipFill>
-          <a:blip r:embed="rId5">
-            <a:extLst>
-              <a:ext uri="{28A0092B-C50C-407E-A947-70E740481C1C}">
-                <a14:useLocalDpi xmlns:a14="http://schemas.microsoft.com/office/drawing/2010/main" val="0"/>
-              </a:ext>
-              <a:ext uri="{96DAC541-7B7A-43D3-8B79-37D633B846F1}">
-                <asvg:svgBlip xmlns:asvg="http://schemas.microsoft.com/office/drawing/2016/SVG/main" r:embed="rId6"/>
-              </a:ext>
-            </a:extLst>
-          </a:blip>
-          <a:stretch>
-            <a:fillRect/>
-          </a:stretch>
-        </p:blipFill>
-        <p:spPr>
-          <a:xfrm>
-            <a:off x="4883422" y="4752922"/>
-            <a:ext cx="1315329" cy="785571"/>
-          </a:xfrm>
-          <a:prstGeom prst="rect">
-            <a:avLst/>
-          </a:prstGeom>
-        </p:spPr>
-      </p:pic>
-      <p:sp>
-        <p:nvSpPr>
-          <p:cNvPr id="6" name="Rectángulo 5">
-            <a:extLst>
-              <a:ext uri="{FF2B5EF4-FFF2-40B4-BE49-F238E27FC236}">
-                <a16:creationId xmlns:a16="http://schemas.microsoft.com/office/drawing/2014/main" id="{46C9687F-4753-41DC-AA83-E2FAF2E4A2FF}"/>
-              </a:ext>
-            </a:extLst>
-          </p:cNvPr>
-          <p:cNvSpPr/>
-          <p:nvPr/>
-        </p:nvSpPr>
-        <p:spPr>
-          <a:xfrm>
-            <a:off x="3046660" y="188632"/>
-            <a:ext cx="5360763" cy="923330"/>
-          </a:xfrm>
-          <a:prstGeom prst="rect">
-            <a:avLst/>
-          </a:prstGeom>
-        </p:spPr>
-        <p:txBody>
-          <a:bodyPr wrap="none">
-            <a:spAutoFit/>
-            <a:scene3d>
-              <a:camera prst="orthographicFront"/>
-              <a:lightRig rig="threePt" dir="t"/>
-            </a:scene3d>
-            <a:sp3d extrusionH="57150">
-              <a:bevelT w="38100" h="38100" prst="angle"/>
-            </a:sp3d>
-          </a:bodyPr>
-          <a:lstStyle/>
-          <a:p>
-            <a:r>
-              <a:rPr lang="es-ES" sz="5400" b="1" dirty="0"/>
-              <a:t>FASE 3 (Caso 3)</a:t>
-            </a:r>
-          </a:p>
-        </p:txBody>
-      </p:sp>
-      <p:sp>
-        <p:nvSpPr>
-          <p:cNvPr id="9" name="CuadroTexto 8">
-            <a:extLst>
-              <a:ext uri="{FF2B5EF4-FFF2-40B4-BE49-F238E27FC236}">
-                <a16:creationId xmlns:a16="http://schemas.microsoft.com/office/drawing/2014/main" id="{DD017762-05EB-4992-AEC0-E590D8C39633}"/>
-              </a:ext>
-            </a:extLst>
-          </p:cNvPr>
-          <p:cNvSpPr txBox="1"/>
-          <p:nvPr/>
-        </p:nvSpPr>
-        <p:spPr>
-          <a:xfrm>
-            <a:off x="4235865" y="5482728"/>
-            <a:ext cx="3179299" cy="369332"/>
-          </a:xfrm>
-          <a:prstGeom prst="rect">
-            <a:avLst/>
-          </a:prstGeom>
-          <a:noFill/>
-        </p:spPr>
-        <p:txBody>
-          <a:bodyPr wrap="square" rtlCol="0">
-            <a:spAutoFit/>
-          </a:bodyPr>
-          <a:lstStyle/>
-          <a:p>
-            <a:r>
-              <a:rPr lang="es-ES" b="1" dirty="0"/>
-              <a:t>Pulsar botón ‘DELETE-</a:t>
-            </a:r>
-            <a:r>
-              <a:rPr lang="es-ES" b="1"/>
-              <a:t>Xn’</a:t>
-            </a:r>
-            <a:endParaRPr lang="es-ES" b="1" dirty="0"/>
-          </a:p>
-        </p:txBody>
-      </p:sp>
-      <p:sp>
-        <p:nvSpPr>
-          <p:cNvPr id="11" name="Rectángulo 10">
-            <a:extLst>
-              <a:ext uri="{FF2B5EF4-FFF2-40B4-BE49-F238E27FC236}">
-                <a16:creationId xmlns:a16="http://schemas.microsoft.com/office/drawing/2014/main" id="{C181328E-0131-45F2-8D42-7D4B1798A3BC}"/>
-              </a:ext>
-            </a:extLst>
-          </p:cNvPr>
-          <p:cNvSpPr/>
-          <p:nvPr/>
-        </p:nvSpPr>
-        <p:spPr>
-          <a:xfrm>
-            <a:off x="571618" y="1580164"/>
-            <a:ext cx="3563796" cy="369332"/>
-          </a:xfrm>
-          <a:prstGeom prst="rect">
-            <a:avLst/>
-          </a:prstGeom>
-        </p:spPr>
-        <p:txBody>
-          <a:bodyPr wrap="none">
-            <a:spAutoFit/>
-          </a:bodyPr>
-          <a:lstStyle/>
-          <a:p>
-            <a:pPr marL="285750" indent="-285750">
-              <a:buFont typeface="Wingdings" panose="05000000000000000000" pitchFamily="2" charset="2"/>
-              <a:buChar char="ü"/>
-            </a:pPr>
-            <a:r>
-              <a:rPr lang="es-ES" b="1" dirty="0">
-                <a:solidFill>
-                  <a:schemeClr val="accent4"/>
-                </a:solidFill>
-              </a:rPr>
-              <a:t>Identificación completada</a:t>
-            </a:r>
-          </a:p>
-        </p:txBody>
-      </p:sp>
-      <p:sp>
-        <p:nvSpPr>
-          <p:cNvPr id="12" name="Rectángulo 11">
-            <a:extLst>
-              <a:ext uri="{FF2B5EF4-FFF2-40B4-BE49-F238E27FC236}">
-                <a16:creationId xmlns:a16="http://schemas.microsoft.com/office/drawing/2014/main" id="{E6433CE4-0213-428C-BE84-C1F01E9A21D2}"/>
-              </a:ext>
-            </a:extLst>
-          </p:cNvPr>
-          <p:cNvSpPr/>
-          <p:nvPr/>
-        </p:nvSpPr>
-        <p:spPr>
-          <a:xfrm>
-            <a:off x="571618" y="2013169"/>
-            <a:ext cx="2953053" cy="369332"/>
-          </a:xfrm>
-          <a:prstGeom prst="rect">
-            <a:avLst/>
-          </a:prstGeom>
-        </p:spPr>
-        <p:txBody>
-          <a:bodyPr wrap="none">
-            <a:spAutoFit/>
-          </a:bodyPr>
-          <a:lstStyle/>
-          <a:p>
-            <a:pPr marL="285750" indent="-285750">
-              <a:buFont typeface="Wingdings" panose="05000000000000000000" pitchFamily="2" charset="2"/>
-              <a:buChar char="ü"/>
-            </a:pPr>
-            <a:r>
-              <a:rPr lang="es-ES" b="1" dirty="0">
-                <a:solidFill>
-                  <a:schemeClr val="accent4"/>
-                </a:solidFill>
-              </a:rPr>
-              <a:t>Apertura completada</a:t>
-            </a:r>
-          </a:p>
-        </p:txBody>
-      </p:sp>
-      <p:sp>
-        <p:nvSpPr>
-          <p:cNvPr id="13" name="Flecha: hacia la izquierda 12">
-            <a:extLst>
-              <a:ext uri="{FF2B5EF4-FFF2-40B4-BE49-F238E27FC236}">
-                <a16:creationId xmlns:a16="http://schemas.microsoft.com/office/drawing/2014/main" id="{8467306D-D3F6-46C5-96B6-B17C08B9427C}"/>
-              </a:ext>
-            </a:extLst>
-          </p:cNvPr>
-          <p:cNvSpPr/>
-          <p:nvPr/>
-        </p:nvSpPr>
-        <p:spPr>
-          <a:xfrm>
-            <a:off x="3973195" y="3677108"/>
-            <a:ext cx="3376246" cy="369331"/>
-          </a:xfrm>
-          <a:prstGeom prst="leftArrow">
-            <a:avLst/>
-          </a:prstGeom>
-          <a:solidFill>
-            <a:srgbClr val="00B050"/>
-          </a:solidFill>
-          <a:ln>
-            <a:solidFill>
-              <a:schemeClr val="bg1"/>
-            </a:solidFill>
-          </a:ln>
-        </p:spPr>
-        <p:style>
-          <a:lnRef idx="2">
-            <a:schemeClr val="accent1">
-              <a:shade val="50000"/>
-            </a:schemeClr>
-          </a:lnRef>
-          <a:fillRef idx="1">
-            <a:schemeClr val="accent1"/>
-          </a:fillRef>
-          <a:effectRef idx="0">
-            <a:schemeClr val="accent1"/>
-          </a:effectRef>
-          <a:fontRef idx="minor">
-            <a:schemeClr val="lt1"/>
-          </a:fontRef>
-        </p:style>
-        <p:txBody>
-          <a:bodyPr rtlCol="0" anchor="ctr"/>
-          <a:lstStyle/>
-          <a:p>
-            <a:pPr algn="ctr"/>
-            <a:endParaRPr lang="es-ES">
-              <a:solidFill>
-                <a:schemeClr val="bg1"/>
-              </a:solidFill>
-            </a:endParaRPr>
-          </a:p>
-        </p:txBody>
-      </p:sp>
-      <p:sp>
-        <p:nvSpPr>
-          <p:cNvPr id="14" name="Rectángulo 13">
-            <a:extLst>
-              <a:ext uri="{FF2B5EF4-FFF2-40B4-BE49-F238E27FC236}">
-                <a16:creationId xmlns:a16="http://schemas.microsoft.com/office/drawing/2014/main" id="{599DD49C-6C9E-40DB-BD73-28B747E18D80}"/>
-              </a:ext>
-            </a:extLst>
-          </p:cNvPr>
-          <p:cNvSpPr/>
-          <p:nvPr/>
-        </p:nvSpPr>
-        <p:spPr>
-          <a:xfrm>
-            <a:off x="5280436" y="2470242"/>
-            <a:ext cx="521297" cy="369332"/>
-          </a:xfrm>
-          <a:prstGeom prst="rect">
-            <a:avLst/>
-          </a:prstGeom>
-        </p:spPr>
-        <p:txBody>
-          <a:bodyPr wrap="none">
-            <a:spAutoFit/>
-          </a:bodyPr>
-          <a:lstStyle/>
-          <a:p>
-            <a:r>
-              <a:rPr lang="es-ES" b="1" dirty="0"/>
-              <a:t>OK</a:t>
-            </a:r>
-          </a:p>
-        </p:txBody>
-      </p:sp>
-    </p:spTree>
-    <p:extLst>
-      <p:ext uri="{BB962C8B-B14F-4D97-AF65-F5344CB8AC3E}">
-        <p14:creationId xmlns:p14="http://schemas.microsoft.com/office/powerpoint/2010/main" val="1820109334"/>
-      </p:ext>
-    </p:extLst>
-  </p:cSld>
-  <p:clrMapOvr>
-    <a:masterClrMapping/>
-  </p:clrMapOvr>
-  <p:timing>
-    <p:tnLst>
-      <p:par>
-        <p:cTn id="1" dur="indefinite" restart="never" nodeType="tmRoot">
-          <p:childTnLst>
-            <p:seq concurrent="1" nextAc="seek">
-              <p:cTn id="2" dur="indefinite" nodeType="mainSeq">
-                <p:childTnLst>
-                  <p:par>
-                    <p:cTn id="3" fill="hold">
-                      <p:stCondLst>
-                        <p:cond delay="indefinite"/>
-                      </p:stCondLst>
-                      <p:childTnLst>
-                        <p:par>
-                          <p:cTn id="4" fill="hold">
-                            <p:stCondLst>
-                              <p:cond delay="0"/>
-                            </p:stCondLst>
-                            <p:childTnLst>
-                              <p:par>
-                                <p:cTn id="5" presetID="22" presetClass="entr" presetSubtype="4" fill="hold" grpId="0" nodeType="clickEffect">
-                                  <p:stCondLst>
-                                    <p:cond delay="0"/>
-                                  </p:stCondLst>
-                                  <p:childTnLst>
-                                    <p:set>
-                                      <p:cBhvr>
-                                        <p:cTn id="6" dur="1" fill="hold">
-                                          <p:stCondLst>
-                                            <p:cond delay="0"/>
-                                          </p:stCondLst>
-                                        </p:cTn>
-                                        <p:tgtEl>
-                                          <p:spTgt spid="2"/>
-                                        </p:tgtEl>
-                                        <p:attrNameLst>
-                                          <p:attrName>style.visibility</p:attrName>
-                                        </p:attrNameLst>
-                                      </p:cBhvr>
-                                      <p:to>
-                                        <p:strVal val="visible"/>
-                                      </p:to>
-                                    </p:set>
-                                    <p:animEffect transition="in" filter="wipe(down)">
-                                      <p:cBhvr>
-                                        <p:cTn id="7" dur="500"/>
-                                        <p:tgtEl>
-                                          <p:spTgt spid="2"/>
-                                        </p:tgtEl>
-                                      </p:cBhvr>
-                                    </p:animEffect>
-                                  </p:childTnLst>
-                                </p:cTn>
-                              </p:par>
-                            </p:childTnLst>
-                          </p:cTn>
-                        </p:par>
-                      </p:childTnLst>
-                    </p:cTn>
-                  </p:par>
-                  <p:par>
-                    <p:cTn id="8" fill="hold">
-                      <p:stCondLst>
-                        <p:cond delay="indefinite"/>
-                      </p:stCondLst>
-                      <p:childTnLst>
-                        <p:par>
-                          <p:cTn id="9" fill="hold">
-                            <p:stCondLst>
-                              <p:cond delay="0"/>
-                            </p:stCondLst>
-                            <p:childTnLst>
-                              <p:par>
-                                <p:cTn id="10" presetID="16" presetClass="entr" presetSubtype="21" fill="hold" nodeType="clickEffect">
-                                  <p:stCondLst>
-                                    <p:cond delay="0"/>
-                                  </p:stCondLst>
-                                  <p:childTnLst>
-                                    <p:set>
-                                      <p:cBhvr>
-                                        <p:cTn id="11" dur="1" fill="hold">
-                                          <p:stCondLst>
-                                            <p:cond delay="0"/>
-                                          </p:stCondLst>
-                                        </p:cTn>
-                                        <p:tgtEl>
-                                          <p:spTgt spid="8"/>
-                                        </p:tgtEl>
-                                        <p:attrNameLst>
-                                          <p:attrName>style.visibility</p:attrName>
-                                        </p:attrNameLst>
-                                      </p:cBhvr>
-                                      <p:to>
-                                        <p:strVal val="visible"/>
-                                      </p:to>
-                                    </p:set>
-                                    <p:animEffect transition="in" filter="barn(inVertical)">
-                                      <p:cBhvr>
-                                        <p:cTn id="12" dur="500"/>
-                                        <p:tgtEl>
-                                          <p:spTgt spid="8"/>
-                                        </p:tgtEl>
-                                      </p:cBhvr>
-                                    </p:animEffect>
-                                  </p:childTnLst>
-                                </p:cTn>
-                              </p:par>
-                            </p:childTnLst>
-                          </p:cTn>
-                        </p:par>
-                      </p:childTnLst>
-                    </p:cTn>
-                  </p:par>
-                  <p:par>
-                    <p:cTn id="13" fill="hold">
-                      <p:stCondLst>
-                        <p:cond delay="indefinite"/>
-                      </p:stCondLst>
-                      <p:childTnLst>
-                        <p:par>
-                          <p:cTn id="14" fill="hold">
-                            <p:stCondLst>
-                              <p:cond delay="0"/>
-                            </p:stCondLst>
-                            <p:childTnLst>
-                              <p:par>
-                                <p:cTn id="15" presetID="42" presetClass="entr" presetSubtype="0" fill="hold" grpId="0" nodeType="clickEffect">
-                                  <p:stCondLst>
-                                    <p:cond delay="0"/>
-                                  </p:stCondLst>
-                                  <p:childTnLst>
-                                    <p:set>
-                                      <p:cBhvr>
-                                        <p:cTn id="16" dur="1" fill="hold">
-                                          <p:stCondLst>
-                                            <p:cond delay="0"/>
-                                          </p:stCondLst>
-                                        </p:cTn>
-                                        <p:tgtEl>
-                                          <p:spTgt spid="9"/>
-                                        </p:tgtEl>
-                                        <p:attrNameLst>
-                                          <p:attrName>style.visibility</p:attrName>
-                                        </p:attrNameLst>
-                                      </p:cBhvr>
-                                      <p:to>
-                                        <p:strVal val="visible"/>
-                                      </p:to>
-                                    </p:set>
-                                    <p:animEffect transition="in" filter="fade">
-                                      <p:cBhvr>
-                                        <p:cTn id="17" dur="1000"/>
-                                        <p:tgtEl>
-                                          <p:spTgt spid="9"/>
-                                        </p:tgtEl>
-                                      </p:cBhvr>
-                                    </p:animEffect>
-                                    <p:anim calcmode="lin" valueType="num">
-                                      <p:cBhvr>
-                                        <p:cTn id="18" dur="1000" fill="hold"/>
-                                        <p:tgtEl>
-                                          <p:spTgt spid="9"/>
-                                        </p:tgtEl>
-                                        <p:attrNameLst>
-                                          <p:attrName>ppt_x</p:attrName>
-                                        </p:attrNameLst>
-                                      </p:cBhvr>
-                                      <p:tavLst>
-                                        <p:tav tm="0">
-                                          <p:val>
-                                            <p:strVal val="#ppt_x"/>
-                                          </p:val>
-                                        </p:tav>
-                                        <p:tav tm="100000">
-                                          <p:val>
-                                            <p:strVal val="#ppt_x"/>
-                                          </p:val>
-                                        </p:tav>
-                                      </p:tavLst>
-                                    </p:anim>
-                                    <p:anim calcmode="lin" valueType="num">
-                                      <p:cBhvr>
-                                        <p:cTn id="19" dur="1000" fill="hold"/>
-                                        <p:tgtEl>
-                                          <p:spTgt spid="9"/>
-                                        </p:tgtEl>
-                                        <p:attrNameLst>
-                                          <p:attrName>ppt_y</p:attrName>
-                                        </p:attrNameLst>
-                                      </p:cBhvr>
-                                      <p:tavLst>
-                                        <p:tav tm="0">
-                                          <p:val>
-                                            <p:strVal val="#ppt_y+.1"/>
-                                          </p:val>
-                                        </p:tav>
-                                        <p:tav tm="100000">
-                                          <p:val>
-                                            <p:strVal val="#ppt_y"/>
-                                          </p:val>
-                                        </p:tav>
-                                      </p:tavLst>
-                                    </p:anim>
-                                  </p:childTnLst>
-                                </p:cTn>
-                              </p:par>
-                            </p:childTnLst>
-                          </p:cTn>
-                        </p:par>
-                      </p:childTnLst>
-                    </p:cTn>
-                  </p:par>
-                  <p:par>
-                    <p:cTn id="20" fill="hold">
-                      <p:stCondLst>
-                        <p:cond delay="indefinite"/>
-                      </p:stCondLst>
-                      <p:childTnLst>
-                        <p:par>
-                          <p:cTn id="21" fill="hold">
-                            <p:stCondLst>
-                              <p:cond delay="0"/>
-                            </p:stCondLst>
-                            <p:childTnLst>
-                              <p:par>
-                                <p:cTn id="22" presetID="22" presetClass="entr" presetSubtype="4" fill="hold" grpId="0" nodeType="clickEffect">
-                                  <p:stCondLst>
-                                    <p:cond delay="0"/>
-                                  </p:stCondLst>
-                                  <p:childTnLst>
-                                    <p:set>
-                                      <p:cBhvr>
-                                        <p:cTn id="23" dur="1" fill="hold">
-                                          <p:stCondLst>
-                                            <p:cond delay="0"/>
-                                          </p:stCondLst>
-                                        </p:cTn>
-                                        <p:tgtEl>
-                                          <p:spTgt spid="13"/>
-                                        </p:tgtEl>
-                                        <p:attrNameLst>
-                                          <p:attrName>style.visibility</p:attrName>
-                                        </p:attrNameLst>
-                                      </p:cBhvr>
-                                      <p:to>
-                                        <p:strVal val="visible"/>
-                                      </p:to>
-                                    </p:set>
-                                    <p:animEffect transition="in" filter="wipe(down)">
-                                      <p:cBhvr>
-                                        <p:cTn id="24" dur="500"/>
-                                        <p:tgtEl>
-                                          <p:spTgt spid="13"/>
-                                        </p:tgtEl>
-                                      </p:cBhvr>
-                                    </p:animEffect>
-                                  </p:childTnLst>
-                                </p:cTn>
-                              </p:par>
-                            </p:childTnLst>
-                          </p:cTn>
-                        </p:par>
-                      </p:childTnLst>
-                    </p:cTn>
-                  </p:par>
-                  <p:par>
-                    <p:cTn id="25" fill="hold">
-                      <p:stCondLst>
-                        <p:cond delay="indefinite"/>
-                      </p:stCondLst>
-                      <p:childTnLst>
-                        <p:par>
-                          <p:cTn id="26" fill="hold">
-                            <p:stCondLst>
-                              <p:cond delay="0"/>
-                            </p:stCondLst>
-                            <p:childTnLst>
-                              <p:par>
-                                <p:cTn id="27" presetID="16" presetClass="entr" presetSubtype="21" fill="hold" nodeType="clickEffect">
-                                  <p:stCondLst>
-                                    <p:cond delay="0"/>
-                                  </p:stCondLst>
-                                  <p:childTnLst>
-                                    <p:set>
-                                      <p:cBhvr>
-                                        <p:cTn id="28" dur="1" fill="hold">
-                                          <p:stCondLst>
-                                            <p:cond delay="0"/>
-                                          </p:stCondLst>
-                                        </p:cTn>
-                                        <p:tgtEl>
-                                          <p:spTgt spid="7"/>
-                                        </p:tgtEl>
-                                        <p:attrNameLst>
-                                          <p:attrName>style.visibility</p:attrName>
-                                        </p:attrNameLst>
-                                      </p:cBhvr>
-                                      <p:to>
-                                        <p:strVal val="visible"/>
-                                      </p:to>
-                                    </p:set>
-                                    <p:animEffect transition="in" filter="barn(inVertical)">
-                                      <p:cBhvr>
-                                        <p:cTn id="29" dur="500"/>
-                                        <p:tgtEl>
-                                          <p:spTgt spid="7"/>
-                                        </p:tgtEl>
-                                      </p:cBhvr>
-                                    </p:animEffect>
-                                  </p:childTnLst>
-                                </p:cTn>
-                              </p:par>
-                            </p:childTnLst>
-                          </p:cTn>
-                        </p:par>
-                      </p:childTnLst>
-                    </p:cTn>
-                  </p:par>
-                  <p:par>
-                    <p:cTn id="30" fill="hold">
-                      <p:stCondLst>
-                        <p:cond delay="indefinite"/>
-                      </p:stCondLst>
-                      <p:childTnLst>
-                        <p:par>
-                          <p:cTn id="31" fill="hold">
-                            <p:stCondLst>
-                              <p:cond delay="0"/>
-                            </p:stCondLst>
-                            <p:childTnLst>
-                              <p:par>
-                                <p:cTn id="32" presetID="42" presetClass="entr" presetSubtype="0" fill="hold" grpId="0" nodeType="clickEffect">
-                                  <p:stCondLst>
-                                    <p:cond delay="0"/>
-                                  </p:stCondLst>
-                                  <p:childTnLst>
-                                    <p:set>
-                                      <p:cBhvr>
-                                        <p:cTn id="33" dur="1" fill="hold">
-                                          <p:stCondLst>
-                                            <p:cond delay="0"/>
-                                          </p:stCondLst>
-                                        </p:cTn>
-                                        <p:tgtEl>
-                                          <p:spTgt spid="14"/>
-                                        </p:tgtEl>
-                                        <p:attrNameLst>
-                                          <p:attrName>style.visibility</p:attrName>
-                                        </p:attrNameLst>
-                                      </p:cBhvr>
-                                      <p:to>
-                                        <p:strVal val="visible"/>
-                                      </p:to>
-                                    </p:set>
-                                    <p:animEffect transition="in" filter="fade">
-                                      <p:cBhvr>
-                                        <p:cTn id="34" dur="1000"/>
-                                        <p:tgtEl>
-                                          <p:spTgt spid="14"/>
-                                        </p:tgtEl>
-                                      </p:cBhvr>
-                                    </p:animEffect>
-                                    <p:anim calcmode="lin" valueType="num">
-                                      <p:cBhvr>
-                                        <p:cTn id="35" dur="1000" fill="hold"/>
-                                        <p:tgtEl>
-                                          <p:spTgt spid="14"/>
-                                        </p:tgtEl>
-                                        <p:attrNameLst>
-                                          <p:attrName>ppt_x</p:attrName>
-                                        </p:attrNameLst>
-                                      </p:cBhvr>
-                                      <p:tavLst>
-                                        <p:tav tm="0">
-                                          <p:val>
-                                            <p:strVal val="#ppt_x"/>
-                                          </p:val>
-                                        </p:tav>
-                                        <p:tav tm="100000">
-                                          <p:val>
-                                            <p:strVal val="#ppt_x"/>
-                                          </p:val>
-                                        </p:tav>
-                                      </p:tavLst>
-                                    </p:anim>
-                                    <p:anim calcmode="lin" valueType="num">
-                                      <p:cBhvr>
-                                        <p:cTn id="36" dur="1000" fill="hold"/>
-                                        <p:tgtEl>
-                                          <p:spTgt spid="14"/>
-                                        </p:tgtEl>
-                                        <p:attrNameLst>
-                                          <p:attrName>ppt_y</p:attrName>
-                                        </p:attrNameLst>
-                                      </p:cBhvr>
-                                      <p:tavLst>
-                                        <p:tav tm="0">
-                                          <p:val>
-                                            <p:strVal val="#ppt_y+.1"/>
-                                          </p:val>
-                                        </p:tav>
-                                        <p:tav tm="100000">
-                                          <p:val>
-                                            <p:strVal val="#ppt_y"/>
-                                          </p:val>
-                                        </p:tav>
-                                      </p:tavLst>
-                                    </p:anim>
-                                  </p:childTnLst>
-                                </p:cTn>
-                              </p:par>
-                            </p:childTnLst>
-                          </p:cTn>
-                        </p:par>
-                      </p:childTnLst>
-                    </p:cTn>
-                  </p:par>
-                </p:childTnLst>
-              </p:cTn>
-              <p:prevCondLst>
-                <p:cond evt="onPrev" delay="0">
-                  <p:tgtEl>
-                    <p:sldTgt/>
-                  </p:tgtEl>
-                </p:cond>
-              </p:prevCondLst>
-              <p:nextCondLst>
-                <p:cond evt="onNext" delay="0">
-                  <p:tgtEl>
-                    <p:sldTgt/>
-                  </p:tgtEl>
-                </p:cond>
-              </p:nextCondLst>
-            </p:seq>
-          </p:childTnLst>
-        </p:cTn>
-      </p:par>
-    </p:tnLst>
-    <p:bldLst>
-      <p:bldP spid="2" grpId="0" animBg="1"/>
-      <p:bldP spid="9" grpId="0"/>
-      <p:bldP spid="13" grpId="0" animBg="1"/>
-      <p:bldP spid="14" grpId="0"/>
-    </p:bldLst>
-  </p:timing>
-</p:sld>
-</file>
-
 <file path=ppt/theme/theme1.xml><?xml version="1.0" encoding="utf-8"?>
 <a:theme xmlns:a="http://schemas.openxmlformats.org/drawingml/2006/main" name="Estela de condensación">
   <a:themeElements>
